--- a/NP-Complete Max Knapsack.pptx
+++ b/NP-Complete Max Knapsack.pptx
@@ -1,6 +1,6 @@
 
 <file path=ppt/presentation.xml><?xml version="1.0" encoding="utf-8"?>
-<p:presentation xmlns:a="http://schemas.openxmlformats.org/drawingml/2006/main" xmlns:r="http://schemas.openxmlformats.org/officeDocument/2006/relationships" xmlns:mc="http://schemas.openxmlformats.org/markup-compatibility/2006" xmlns:mv="urn:schemas-microsoft-com:mac:vml" xmlns:p="http://schemas.openxmlformats.org/presentationml/2006/main" xmlns:c="http://schemas.openxmlformats.org/drawingml/2006/chart" xmlns:dgm="http://schemas.openxmlformats.org/drawingml/2006/diagram" xmlns:o="urn:schemas-microsoft-com:office:office" xmlns:v="urn:schemas-microsoft-com:vml" xmlns:pvml="urn:schemas-microsoft-com:office:powerpoint" xmlns:com="http://schemas.openxmlformats.org/drawingml/2006/compatibility" xmlns:p14="http://schemas.microsoft.com/office/powerpoint/2010/main" xmlns:p15="http://schemas.microsoft.com/office/powerpoint/2012/main" xmlns:ahyp="http://schemas.microsoft.com/office/drawing/2018/hyperlinkcolor" autoCompressPictures="0" strictFirstAndLastChars="0" saveSubsetFonts="1">
+<p:presentation xmlns:a="http://schemas.openxmlformats.org/drawingml/2006/main" xmlns:r="http://schemas.openxmlformats.org/officeDocument/2006/relationships" xmlns:mc="http://schemas.openxmlformats.org/markup-compatibility/2006" xmlns:mv="urn:schemas-microsoft-com:mac:vml" xmlns:p="http://schemas.openxmlformats.org/presentationml/2006/main" xmlns:c="http://schemas.openxmlformats.org/drawingml/2006/chart" xmlns:dgm="http://schemas.openxmlformats.org/drawingml/2006/diagram" xmlns:o="urn:schemas-microsoft-com:office:office" xmlns:v="urn:schemas-microsoft-com:vml" xmlns:pvml="urn:schemas-microsoft-com:office:powerpoint" xmlns:com="http://schemas.openxmlformats.org/drawingml/2006/compatibility" xmlns:p14="http://schemas.microsoft.com/office/powerpoint/2010/main" xmlns:p15="http://schemas.microsoft.com/office/powerpoint/2012/main" xmlns:ahyp="http://schemas.microsoft.com/office/drawing/2018/hyperlinkcolor" autoCompressPictures="0" embedTrueTypeFonts="1" strictFirstAndLastChars="0" saveSubsetFonts="1">
   <p:sldMasterIdLst>
     <p:sldMasterId id="2147483670" r:id="rId4"/>
     <p:sldMasterId id="2147483671" r:id="rId5"/>
@@ -21,9 +21,19 @@
     <p:sldId id="265" r:id="rId16"/>
     <p:sldId id="266" r:id="rId17"/>
     <p:sldId id="267" r:id="rId18"/>
+    <p:sldId id="268" r:id="rId19"/>
   </p:sldIdLst>
   <p:sldSz cy="5143500" cx="9144000"/>
   <p:notesSz cx="6858000" cy="9144000"/>
+  <p:embeddedFontLst>
+    <p:embeddedFont>
+      <p:font typeface="Roboto Medium"/>
+      <p:regular r:id="rId20"/>
+      <p:bold r:id="rId21"/>
+      <p:italic r:id="rId22"/>
+      <p:boldItalic r:id="rId23"/>
+    </p:embeddedFont>
+  </p:embeddedFontLst>
   <p:defaultTextStyle>
     <a:defPPr lvl="0" marR="0" rtl="0" algn="l">
       <a:lnSpc>
@@ -816,7 +826,7 @@
       </p:grpSpPr>
       <p:sp>
         <p:nvSpPr>
-          <p:cNvPr id="195" name="Google Shape;195;g126314b3164_0_17:notes"/>
+          <p:cNvPr id="195" name="Google Shape;195;g125ddc1595c_3_126:notes"/>
           <p:cNvSpPr txBox="1"/>
           <p:nvPr>
             <p:ph idx="1" type="body"/>
@@ -855,7 +865,7 @@
       </p:sp>
       <p:sp>
         <p:nvSpPr>
-          <p:cNvPr id="196" name="Google Shape;196;g126314b3164_0_17:notes"/>
+          <p:cNvPr id="196" name="Google Shape;196;g125ddc1595c_3_126:notes"/>
           <p:cNvSpPr/>
           <p:nvPr>
             <p:ph idx="2" type="sldImg"/>
@@ -864,7 +874,7 @@
         <p:spPr>
           <a:xfrm>
             <a:off x="1143225" y="685800"/>
-            <a:ext cx="4572300" cy="3429000"/>
+            <a:ext cx="4572225" cy="3429000"/>
           </a:xfrm>
           <a:custGeom>
             <a:rect b="b" l="l" r="r" t="t"/>
@@ -915,7 +925,7 @@
       </p:grpSpPr>
       <p:sp>
         <p:nvSpPr>
-          <p:cNvPr id="203" name="Google Shape;203;g126314b3164_0_5:notes"/>
+          <p:cNvPr id="203" name="Google Shape;203;g126314b3164_0_17:notes"/>
           <p:cNvSpPr txBox="1"/>
           <p:nvPr>
             <p:ph idx="1" type="body"/>
@@ -954,7 +964,7 @@
       </p:sp>
       <p:sp>
         <p:nvSpPr>
-          <p:cNvPr id="204" name="Google Shape;204;g126314b3164_0_5:notes"/>
+          <p:cNvPr id="204" name="Google Shape;204;g126314b3164_0_17:notes"/>
           <p:cNvSpPr/>
           <p:nvPr>
             <p:ph idx="2" type="sldImg"/>
@@ -1014,7 +1024,7 @@
       </p:grpSpPr>
       <p:sp>
         <p:nvSpPr>
-          <p:cNvPr id="211" name="Google Shape;211;g126314b3164_0_34:notes"/>
+          <p:cNvPr id="211" name="Google Shape;211;g126314b3164_0_5:notes"/>
           <p:cNvSpPr txBox="1"/>
           <p:nvPr>
             <p:ph idx="1" type="body"/>
@@ -1053,7 +1063,106 @@
       </p:sp>
       <p:sp>
         <p:nvSpPr>
-          <p:cNvPr id="212" name="Google Shape;212;g126314b3164_0_34:notes"/>
+          <p:cNvPr id="212" name="Google Shape;212;g126314b3164_0_5:notes"/>
+          <p:cNvSpPr/>
+          <p:nvPr>
+            <p:ph idx="2" type="sldImg"/>
+          </p:nvPr>
+        </p:nvSpPr>
+        <p:spPr>
+          <a:xfrm>
+            <a:off x="1143225" y="685800"/>
+            <a:ext cx="4572300" cy="3429000"/>
+          </a:xfrm>
+          <a:custGeom>
+            <a:rect b="b" l="l" r="r" t="t"/>
+            <a:pathLst>
+              <a:path extrusionOk="0" h="120000" w="120000">
+                <a:moveTo>
+                  <a:pt x="0" y="0"/>
+                </a:moveTo>
+                <a:lnTo>
+                  <a:pt x="120000" y="0"/>
+                </a:lnTo>
+                <a:lnTo>
+                  <a:pt x="120000" y="120000"/>
+                </a:lnTo>
+                <a:lnTo>
+                  <a:pt x="0" y="120000"/>
+                </a:lnTo>
+                <a:close/>
+              </a:path>
+            </a:pathLst>
+          </a:custGeom>
+        </p:spPr>
+      </p:sp>
+    </p:spTree>
+  </p:cSld>
+  <p:clrMapOvr>
+    <a:masterClrMapping/>
+  </p:clrMapOvr>
+</p:notes>
+</file>
+
+<file path=ppt/notesSlides/notesSlide13.xml><?xml version="1.0" encoding="utf-8"?>
+<p:notes xmlns:a="http://schemas.openxmlformats.org/drawingml/2006/main" xmlns:r="http://schemas.openxmlformats.org/officeDocument/2006/relationships" xmlns:mc="http://schemas.openxmlformats.org/markup-compatibility/2006" xmlns:mv="urn:schemas-microsoft-com:mac:vml" xmlns:p="http://schemas.openxmlformats.org/presentationml/2006/main" xmlns:c="http://schemas.openxmlformats.org/drawingml/2006/chart" xmlns:dgm="http://schemas.openxmlformats.org/drawingml/2006/diagram" xmlns:o="urn:schemas-microsoft-com:office:office" xmlns:v="urn:schemas-microsoft-com:vml" xmlns:pvml="urn:schemas-microsoft-com:office:powerpoint" xmlns:com="http://schemas.openxmlformats.org/drawingml/2006/compatibility" xmlns:p14="http://schemas.microsoft.com/office/powerpoint/2010/main" xmlns:p15="http://schemas.microsoft.com/office/powerpoint/2012/main" xmlns:ahyp="http://schemas.microsoft.com/office/drawing/2018/hyperlinkcolor" showMasterPhAnim="0" showMasterSp="0">
+  <p:cSld>
+    <p:spTree>
+      <p:nvGrpSpPr>
+        <p:cNvPr id="220" name="Shape 220"/>
+        <p:cNvGrpSpPr/>
+        <p:nvPr/>
+      </p:nvGrpSpPr>
+      <p:grpSpPr>
+        <a:xfrm>
+          <a:off x="0" y="0"/>
+          <a:ext cx="0" cy="0"/>
+          <a:chOff x="0" y="0"/>
+          <a:chExt cx="0" cy="0"/>
+        </a:xfrm>
+      </p:grpSpPr>
+      <p:sp>
+        <p:nvSpPr>
+          <p:cNvPr id="221" name="Google Shape;221;g126314b3164_0_34:notes"/>
+          <p:cNvSpPr txBox="1"/>
+          <p:nvPr>
+            <p:ph idx="1" type="body"/>
+          </p:nvPr>
+        </p:nvSpPr>
+        <p:spPr>
+          <a:xfrm>
+            <a:off x="685800" y="4343400"/>
+            <a:ext cx="5486400" cy="4114800"/>
+          </a:xfrm>
+          <a:prstGeom prst="rect">
+            <a:avLst/>
+          </a:prstGeom>
+        </p:spPr>
+        <p:txBody>
+          <a:bodyPr anchorCtr="0" anchor="t" bIns="91425" lIns="91425" spcFirstLastPara="1" rIns="91425" wrap="square" tIns="91425">
+            <a:noAutofit/>
+          </a:bodyPr>
+          <a:lstStyle/>
+          <a:p>
+            <a:pPr indent="0" lvl="0" marL="0" rtl="0" algn="l">
+              <a:spcBef>
+                <a:spcPts val="0"/>
+              </a:spcBef>
+              <a:spcAft>
+                <a:spcPts val="0"/>
+              </a:spcAft>
+              <a:buNone/>
+            </a:pPr>
+            <a:r>
+              <a:t/>
+            </a:r>
+            <a:endParaRPr/>
+          </a:p>
+        </p:txBody>
+      </p:sp>
+      <p:sp>
+        <p:nvSpPr>
+          <p:cNvPr id="222" name="Google Shape;222;g126314b3164_0_34:notes"/>
           <p:cNvSpPr/>
           <p:nvPr>
             <p:ph idx="2" type="sldImg"/>
@@ -1410,7 +1519,7 @@
       </p:grpSpPr>
       <p:sp>
         <p:nvSpPr>
-          <p:cNvPr id="159" name="Google Shape;159;g125ddc1595c_3_102:notes"/>
+          <p:cNvPr id="159" name="Google Shape;159;g126314b3164_7_0:notes"/>
           <p:cNvSpPr txBox="1"/>
           <p:nvPr>
             <p:ph idx="1" type="body"/>
@@ -1449,7 +1558,7 @@
       </p:sp>
       <p:sp>
         <p:nvSpPr>
-          <p:cNvPr id="160" name="Google Shape;160;g125ddc1595c_3_102:notes"/>
+          <p:cNvPr id="160" name="Google Shape;160;g126314b3164_7_0:notes"/>
           <p:cNvSpPr/>
           <p:nvPr>
             <p:ph idx="2" type="sldImg"/>
@@ -1458,7 +1567,7 @@
         <p:spPr>
           <a:xfrm>
             <a:off x="1143225" y="685800"/>
-            <a:ext cx="4572225" cy="3429000"/>
+            <a:ext cx="4572300" cy="3429000"/>
           </a:xfrm>
           <a:custGeom>
             <a:rect b="b" l="l" r="r" t="t"/>
@@ -1495,7 +1604,7 @@
   <p:cSld>
     <p:spTree>
       <p:nvGrpSpPr>
-        <p:cNvPr id="165" name="Shape 165"/>
+        <p:cNvPr id="166" name="Shape 166"/>
         <p:cNvGrpSpPr/>
         <p:nvPr/>
       </p:nvGrpSpPr>
@@ -1509,7 +1618,7 @@
       </p:grpSpPr>
       <p:sp>
         <p:nvSpPr>
-          <p:cNvPr id="166" name="Google Shape;166;g125ddc1595c_3_108:notes"/>
+          <p:cNvPr id="167" name="Google Shape;167;g125ddc1595c_3_102:notes"/>
           <p:cNvSpPr txBox="1"/>
           <p:nvPr>
             <p:ph idx="1" type="body"/>
@@ -1548,7 +1657,7 @@
       </p:sp>
       <p:sp>
         <p:nvSpPr>
-          <p:cNvPr id="167" name="Google Shape;167;g125ddc1595c_3_108:notes"/>
+          <p:cNvPr id="168" name="Google Shape;168;g125ddc1595c_3_102:notes"/>
           <p:cNvSpPr/>
           <p:nvPr>
             <p:ph idx="2" type="sldImg"/>
@@ -1594,7 +1703,7 @@
   <p:cSld>
     <p:spTree>
       <p:nvGrpSpPr>
-        <p:cNvPr id="172" name="Shape 172"/>
+        <p:cNvPr id="173" name="Shape 173"/>
         <p:cNvGrpSpPr/>
         <p:nvPr/>
       </p:nvGrpSpPr>
@@ -1608,7 +1717,7 @@
       </p:grpSpPr>
       <p:sp>
         <p:nvSpPr>
-          <p:cNvPr id="173" name="Google Shape;173;g125ddc1595c_3_114:notes"/>
+          <p:cNvPr id="174" name="Google Shape;174;g125ddc1595c_3_108:notes"/>
           <p:cNvSpPr txBox="1"/>
           <p:nvPr>
             <p:ph idx="1" type="body"/>
@@ -1647,7 +1756,7 @@
       </p:sp>
       <p:sp>
         <p:nvSpPr>
-          <p:cNvPr id="174" name="Google Shape;174;g125ddc1595c_3_114:notes"/>
+          <p:cNvPr id="175" name="Google Shape;175;g125ddc1595c_3_108:notes"/>
           <p:cNvSpPr/>
           <p:nvPr>
             <p:ph idx="2" type="sldImg"/>
@@ -1707,7 +1816,7 @@
       </p:grpSpPr>
       <p:sp>
         <p:nvSpPr>
-          <p:cNvPr id="181" name="Google Shape;181;g125ddc1595c_3_121:notes"/>
+          <p:cNvPr id="181" name="Google Shape;181;g125ddc1595c_3_114:notes"/>
           <p:cNvSpPr txBox="1"/>
           <p:nvPr>
             <p:ph idx="1" type="body"/>
@@ -1746,7 +1855,7 @@
       </p:sp>
       <p:sp>
         <p:nvSpPr>
-          <p:cNvPr id="182" name="Google Shape;182;g125ddc1595c_3_121:notes"/>
+          <p:cNvPr id="182" name="Google Shape;182;g125ddc1595c_3_114:notes"/>
           <p:cNvSpPr/>
           <p:nvPr>
             <p:ph idx="2" type="sldImg"/>
@@ -1792,7 +1901,7 @@
   <p:cSld>
     <p:spTree>
       <p:nvGrpSpPr>
-        <p:cNvPr id="186" name="Shape 186"/>
+        <p:cNvPr id="188" name="Shape 188"/>
         <p:cNvGrpSpPr/>
         <p:nvPr/>
       </p:nvGrpSpPr>
@@ -1806,7 +1915,7 @@
       </p:grpSpPr>
       <p:sp>
         <p:nvSpPr>
-          <p:cNvPr id="187" name="Google Shape;187;g125ddc1595c_3_126:notes"/>
+          <p:cNvPr id="189" name="Google Shape;189;g125ddc1595c_3_121:notes"/>
           <p:cNvSpPr txBox="1"/>
           <p:nvPr>
             <p:ph idx="1" type="body"/>
@@ -1845,7 +1954,7 @@
       </p:sp>
       <p:sp>
         <p:nvSpPr>
-          <p:cNvPr id="188" name="Google Shape;188;g125ddc1595c_3_126:notes"/>
+          <p:cNvPr id="190" name="Google Shape;190;g125ddc1595c_3_121:notes"/>
           <p:cNvSpPr/>
           <p:nvPr>
             <p:ph idx="2" type="sldImg"/>
@@ -16715,7 +16824,7 @@
         <p:spPr>
           <a:xfrm>
             <a:off x="0" y="-14287"/>
-            <a:ext cx="9144000" cy="642900"/>
+            <a:ext cx="9144000" cy="642938"/>
           </a:xfrm>
           <a:prstGeom prst="rect">
             <a:avLst/>
@@ -16749,7 +16858,7 @@
               <a:buNone/>
             </a:pPr>
             <a:r>
-              <a:rPr lang="en" sz="2700">
+              <a:rPr b="0" i="0" lang="en" sz="2700" u="none" cap="none" strike="noStrike">
                 <a:solidFill>
                   <a:schemeClr val="dk1"/>
                 </a:solidFill>
@@ -16758,7 +16867,7 @@
                 <a:cs typeface="Calibri"/>
                 <a:sym typeface="Calibri"/>
               </a:rPr>
-              <a:t>Approximation Explanation</a:t>
+              <a:t>Approximation</a:t>
             </a:r>
             <a:endParaRPr sz="1100"/>
           </a:p>
@@ -16801,7 +16910,7 @@
         <p:spPr>
           <a:xfrm>
             <a:off x="8550233" y="4767263"/>
-            <a:ext cx="469200" cy="273900"/>
+            <a:ext cx="469213" cy="273844"/>
           </a:xfrm>
           <a:prstGeom prst="rect">
             <a:avLst/>
@@ -16843,7 +16952,7 @@
         <p:spPr>
           <a:xfrm>
             <a:off x="335585" y="726495"/>
-            <a:ext cx="8045100" cy="1932000"/>
+            <a:ext cx="8044954" cy="1931941"/>
           </a:xfrm>
           <a:prstGeom prst="rect">
             <a:avLst/>
@@ -16864,7 +16973,7 @@
                 <a:spcPct val="90000"/>
               </a:lnSpc>
               <a:spcBef>
-                <a:spcPts val="800"/>
+                <a:spcPts val="0"/>
               </a:spcBef>
               <a:spcAft>
                 <a:spcPts val="0"/>
@@ -16877,13 +16986,21 @@
               <a:buChar char="•"/>
             </a:pPr>
             <a:r>
-              <a:rPr lang="en" sz="1100"/>
-              <a:t>For solving the approximation, we use fractional knapsack to help us construct it</a:t>
+              <a:rPr b="0" i="0" lang="en" sz="1800" u="none" cap="none" strike="noStrike">
+                <a:solidFill>
+                  <a:schemeClr val="dk1"/>
+                </a:solidFill>
+                <a:latin typeface="Calibri"/>
+                <a:ea typeface="Calibri"/>
+                <a:cs typeface="Calibri"/>
+                <a:sym typeface="Calibri"/>
+              </a:rPr>
+              <a:t>Sketch algorithm choices (anytime algorithms, greedy algorithms, stochastic algorithms).</a:t>
             </a:r>
             <a:endParaRPr sz="1100"/>
           </a:p>
           <a:p>
-            <a:pPr indent="-209550" lvl="0" marL="254000" marR="0" rtl="0" algn="l">
+            <a:pPr indent="-254000" lvl="0" marL="254000" marR="0" rtl="0" algn="l">
               <a:lnSpc>
                 <a:spcPct val="90000"/>
               </a:lnSpc>
@@ -16893,20 +17010,56 @@
               <a:spcAft>
                 <a:spcPts val="0"/>
               </a:spcAft>
-              <a:buSzPts val="1100"/>
+              <a:buClr>
+                <a:schemeClr val="dk1"/>
+              </a:buClr>
+              <a:buSzPts val="1800"/>
+              <a:buFont typeface="Arial"/>
               <a:buChar char="•"/>
             </a:pPr>
             <a:r>
-              <a:rPr lang="en" sz="1100"/>
-              <a:t>Assume for simplicity that all items individually fit in the sack. We construct a solution (S1={1,...,k}) by packing items greedily as long as possible. Then we construct a second solution (S2 = {k+1}) containing the first item that did not fit in S1. Since S1 U S2 provides the </a:t>
+              <a:rPr b="0" i="0" lang="en" sz="1800" u="none" cap="none" strike="noStrike">
+                <a:solidFill>
+                  <a:schemeClr val="dk1"/>
+                </a:solidFill>
+                <a:latin typeface="Calibri"/>
+                <a:ea typeface="Calibri"/>
+                <a:cs typeface="Calibri"/>
+                <a:sym typeface="Calibri"/>
+              </a:rPr>
+              <a:t>Bounds on its performance</a:t>
             </a:r>
+            <a:endParaRPr sz="1100"/>
+          </a:p>
+          <a:p>
+            <a:pPr indent="-254000" lvl="0" marL="254000" marR="0" rtl="0" algn="l">
+              <a:lnSpc>
+                <a:spcPct val="90000"/>
+              </a:lnSpc>
+              <a:spcBef>
+                <a:spcPts val="800"/>
+              </a:spcBef>
+              <a:spcAft>
+                <a:spcPts val="0"/>
+              </a:spcAft>
+              <a:buClr>
+                <a:schemeClr val="dk1"/>
+              </a:buClr>
+              <a:buSzPts val="1800"/>
+              <a:buFont typeface="Arial"/>
+              <a:buChar char="•"/>
+            </a:pPr>
             <a:r>
-              <a:rPr lang="en" sz="1100"/>
-              <a:t>upper</a:t>
-            </a:r>
-            <a:r>
-              <a:rPr lang="en" sz="1100"/>
-              <a:t> bound for the Linear Programming Relaxation Problem, one of the sets (S1 or S2) must have at least m/2; we thus return whichever of S1 and S2 that contains better value to obtain a ½-approximation</a:t>
+              <a:rPr b="0" i="0" lang="en" sz="1800" u="none" cap="none" strike="noStrike">
+                <a:solidFill>
+                  <a:schemeClr val="dk1"/>
+                </a:solidFill>
+                <a:latin typeface="Calibri"/>
+                <a:ea typeface="Calibri"/>
+                <a:cs typeface="Calibri"/>
+                <a:sym typeface="Calibri"/>
+              </a:rPr>
+              <a:t>Plot comparing difference in run time and solution quality using your test cases.</a:t>
             </a:r>
             <a:endParaRPr sz="1100"/>
           </a:p>
@@ -16989,7 +17142,7 @@
                 <a:cs typeface="Calibri"/>
                 <a:sym typeface="Calibri"/>
               </a:rPr>
-              <a:t>Non Optimal Input Example</a:t>
+              <a:t>Approximation Explanation</a:t>
             </a:r>
             <a:endParaRPr sz="1100"/>
           </a:p>
@@ -17090,7 +17243,7 @@
           </a:bodyPr>
           <a:lstStyle/>
           <a:p>
-            <a:pPr indent="-254000" lvl="0" marL="254000" marR="0" rtl="0" algn="l">
+            <a:pPr indent="-285750" lvl="0" marL="254000" marR="0" rtl="0" algn="l">
               <a:lnSpc>
                 <a:spcPct val="90000"/>
               </a:lnSpc>
@@ -17103,14 +17256,87 @@
               <a:buClr>
                 <a:schemeClr val="dk1"/>
               </a:buClr>
-              <a:buSzPts val="1800"/>
+              <a:buSzPts val="2300"/>
               <a:buFont typeface="Arial"/>
               <a:buChar char="•"/>
             </a:pPr>
             <a:r>
+              <a:rPr lang="en" sz="1600"/>
+              <a:t>For solving the approximation, we use fractional knapsack to help us construct it</a:t>
+            </a:r>
+            <a:endParaRPr sz="1600"/>
+          </a:p>
+          <a:p>
+            <a:pPr indent="0" lvl="0" marL="457200" marR="0" rtl="0" algn="l">
+              <a:lnSpc>
+                <a:spcPct val="90000"/>
+              </a:lnSpc>
+              <a:spcBef>
+                <a:spcPts val="800"/>
+              </a:spcBef>
+              <a:spcAft>
+                <a:spcPts val="0"/>
+              </a:spcAft>
+              <a:buNone/>
+            </a:pPr>
+            <a:r>
+              <a:rPr lang="en" sz="1600"/>
+              <a:t>We assume for simplicity that all items individually fit in the sack. We first construct a list which we call S1. S1 will contain a list of </a:t>
+            </a:r>
+            <a:r>
+              <a:rPr lang="en" sz="1600"/>
+              <a:t>{</a:t>
+            </a:r>
+            <a:r>
+              <a:rPr lang="en" sz="1600"/>
+              <a:t>1,...,k} where k equals the last element that doesn’t exceed the total weight. Given this we continue to pack items greedily as long as possible until we exceed the total weight. Once we exceed the total weight we construct a second solution S2 will contain the list of {k+1} which is the first item that did not fit in S1. </a:t>
+            </a:r>
+            <a:endParaRPr sz="1600"/>
+          </a:p>
+          <a:p>
+            <a:pPr indent="0" lvl="0" marL="457200" marR="0" rtl="0" algn="l">
+              <a:lnSpc>
+                <a:spcPct val="90000"/>
+              </a:lnSpc>
+              <a:spcBef>
+                <a:spcPts val="800"/>
+              </a:spcBef>
+              <a:spcAft>
+                <a:spcPts val="0"/>
+              </a:spcAft>
+              <a:buNone/>
+            </a:pPr>
+            <a:r>
               <a:t/>
             </a:r>
-            <a:endParaRPr sz="1100"/>
+            <a:endParaRPr sz="1600"/>
+          </a:p>
+          <a:p>
+            <a:pPr indent="0" lvl="0" marL="457200" marR="0" rtl="0" algn="l">
+              <a:lnSpc>
+                <a:spcPct val="90000"/>
+              </a:lnSpc>
+              <a:spcBef>
+                <a:spcPts val="800"/>
+              </a:spcBef>
+              <a:spcAft>
+                <a:spcPts val="0"/>
+              </a:spcAft>
+              <a:buNone/>
+            </a:pPr>
+            <a:r>
+              <a:rPr lang="en" sz="1600"/>
+              <a:t>Since S1 union S2 provides the </a:t>
+            </a:r>
+            <a:r>
+              <a:rPr lang="en" sz="1600"/>
+              <a:t>upper</a:t>
+            </a:r>
+            <a:r>
+              <a:rPr lang="en" sz="1600"/>
+              <a:t> bound for the Linear Programming Relaxation Problem, one of the sets (S1 or S2) must have at least (max)/2. Therefore, we return whichever of S1 and S2 that contains better value to obtain a valid ½-approximation.</a:t>
+            </a:r>
+            <a:endParaRPr sz="1600"/>
           </a:p>
         </p:txBody>
       </p:sp>
@@ -17191,7 +17417,7 @@
                 <a:cs typeface="Calibri"/>
                 <a:sym typeface="Calibri"/>
               </a:rPr>
-              <a:t>Upper Bounds</a:t>
+              <a:t>Non Optimal Input Example</a:t>
             </a:r>
             <a:endParaRPr sz="1100"/>
           </a:p>
@@ -17292,6 +17518,720 @@
           </a:bodyPr>
           <a:lstStyle/>
           <a:p>
+            <a:pPr indent="-260350" lvl="0" marL="254000" marR="0" rtl="0" algn="l">
+              <a:lnSpc>
+                <a:spcPct val="90000"/>
+              </a:lnSpc>
+              <a:spcBef>
+                <a:spcPts val="800"/>
+              </a:spcBef>
+              <a:spcAft>
+                <a:spcPts val="0"/>
+              </a:spcAft>
+              <a:buClr>
+                <a:schemeClr val="dk1"/>
+              </a:buClr>
+              <a:buSzPts val="1900"/>
+              <a:buFont typeface="Arial"/>
+              <a:buChar char="•"/>
+            </a:pPr>
+            <a:r>
+              <a:rPr lang="en" sz="1200"/>
+              <a:t>In the example below, the </a:t>
+            </a:r>
+            <a:r>
+              <a:rPr lang="en" sz="1200"/>
+              <a:t>input given does not give the optimal choice</a:t>
+            </a:r>
+            <a:endParaRPr sz="1200"/>
+          </a:p>
+          <a:p>
+            <a:pPr indent="0" lvl="0" marL="0" marR="0" rtl="0" algn="l">
+              <a:lnSpc>
+                <a:spcPct val="90000"/>
+              </a:lnSpc>
+              <a:spcBef>
+                <a:spcPts val="800"/>
+              </a:spcBef>
+              <a:spcAft>
+                <a:spcPts val="0"/>
+              </a:spcAft>
+              <a:buNone/>
+            </a:pPr>
+            <a:r>
+              <a:t/>
+            </a:r>
+            <a:endParaRPr sz="1100"/>
+          </a:p>
+          <a:p>
+            <a:pPr indent="0" lvl="0" marL="457200" marR="0" rtl="0" algn="l">
+              <a:lnSpc>
+                <a:spcPct val="90000"/>
+              </a:lnSpc>
+              <a:spcBef>
+                <a:spcPts val="800"/>
+              </a:spcBef>
+              <a:spcAft>
+                <a:spcPts val="0"/>
+              </a:spcAft>
+              <a:buNone/>
+            </a:pPr>
+            <a:r>
+              <a:t/>
+            </a:r>
+            <a:endParaRPr sz="1100"/>
+          </a:p>
+          <a:p>
+            <a:pPr indent="0" lvl="0" marL="457200" marR="0" rtl="0" algn="l">
+              <a:lnSpc>
+                <a:spcPct val="90000"/>
+              </a:lnSpc>
+              <a:spcBef>
+                <a:spcPts val="800"/>
+              </a:spcBef>
+              <a:spcAft>
+                <a:spcPts val="0"/>
+              </a:spcAft>
+              <a:buNone/>
+            </a:pPr>
+            <a:r>
+              <a:t/>
+            </a:r>
+            <a:endParaRPr sz="1100"/>
+          </a:p>
+          <a:p>
+            <a:pPr indent="0" lvl="0" marL="0" marR="0" rtl="0" algn="l">
+              <a:lnSpc>
+                <a:spcPct val="90000"/>
+              </a:lnSpc>
+              <a:spcBef>
+                <a:spcPts val="800"/>
+              </a:spcBef>
+              <a:spcAft>
+                <a:spcPts val="0"/>
+              </a:spcAft>
+              <a:buNone/>
+            </a:pPr>
+            <a:r>
+              <a:t/>
+            </a:r>
+            <a:endParaRPr sz="1100"/>
+          </a:p>
+          <a:p>
+            <a:pPr indent="0" lvl="0" marL="0" marR="0" rtl="0" algn="l">
+              <a:lnSpc>
+                <a:spcPct val="90000"/>
+              </a:lnSpc>
+              <a:spcBef>
+                <a:spcPts val="800"/>
+              </a:spcBef>
+              <a:spcAft>
+                <a:spcPts val="0"/>
+              </a:spcAft>
+              <a:buNone/>
+            </a:pPr>
+            <a:r>
+              <a:t/>
+            </a:r>
+            <a:endParaRPr sz="1100"/>
+          </a:p>
+          <a:p>
+            <a:pPr indent="0" lvl="0" marL="0" marR="0" rtl="0" algn="l">
+              <a:lnSpc>
+                <a:spcPct val="90000"/>
+              </a:lnSpc>
+              <a:spcBef>
+                <a:spcPts val="800"/>
+              </a:spcBef>
+              <a:spcAft>
+                <a:spcPts val="0"/>
+              </a:spcAft>
+              <a:buNone/>
+            </a:pPr>
+            <a:r>
+              <a:t/>
+            </a:r>
+            <a:endParaRPr sz="1100"/>
+          </a:p>
+          <a:p>
+            <a:pPr indent="0" lvl="0" marL="457200" marR="0" rtl="0" algn="l">
+              <a:lnSpc>
+                <a:spcPct val="90000"/>
+              </a:lnSpc>
+              <a:spcBef>
+                <a:spcPts val="800"/>
+              </a:spcBef>
+              <a:spcAft>
+                <a:spcPts val="0"/>
+              </a:spcAft>
+              <a:buNone/>
+            </a:pPr>
+            <a:r>
+              <a:t/>
+            </a:r>
+            <a:endParaRPr sz="1100"/>
+          </a:p>
+        </p:txBody>
+      </p:sp>
+      <p:sp>
+        <p:nvSpPr>
+          <p:cNvPr id="218" name="Google Shape;218;p36"/>
+          <p:cNvSpPr txBox="1"/>
+          <p:nvPr/>
+        </p:nvSpPr>
+        <p:spPr>
+          <a:xfrm>
+            <a:off x="2773375" y="1273500"/>
+            <a:ext cx="3417300" cy="1477500"/>
+          </a:xfrm>
+          <a:prstGeom prst="rect">
+            <a:avLst/>
+          </a:prstGeom>
+          <a:noFill/>
+          <a:ln>
+            <a:noFill/>
+          </a:ln>
+        </p:spPr>
+        <p:txBody>
+          <a:bodyPr anchorCtr="0" anchor="t" bIns="91425" lIns="91425" spcFirstLastPara="1" rIns="91425" wrap="square" tIns="91425">
+            <a:spAutoFit/>
+          </a:bodyPr>
+          <a:lstStyle/>
+          <a:p>
+            <a:pPr indent="0" lvl="0" marL="0" rtl="0" algn="l">
+              <a:spcBef>
+                <a:spcPts val="0"/>
+              </a:spcBef>
+              <a:spcAft>
+                <a:spcPts val="0"/>
+              </a:spcAft>
+              <a:buClr>
+                <a:schemeClr val="dk1"/>
+              </a:buClr>
+              <a:buSzPts val="1100"/>
+              <a:buFont typeface="Arial"/>
+              <a:buNone/>
+            </a:pPr>
+            <a:r>
+              <a:rPr lang="en">
+                <a:latin typeface="Calibri"/>
+                <a:ea typeface="Calibri"/>
+                <a:cs typeface="Calibri"/>
+                <a:sym typeface="Calibri"/>
+              </a:rPr>
+              <a:t>300</a:t>
+            </a:r>
+            <a:endParaRPr>
+              <a:latin typeface="Calibri"/>
+              <a:ea typeface="Calibri"/>
+              <a:cs typeface="Calibri"/>
+              <a:sym typeface="Calibri"/>
+            </a:endParaRPr>
+          </a:p>
+          <a:p>
+            <a:pPr indent="0" lvl="0" marL="0" rtl="0" algn="l">
+              <a:spcBef>
+                <a:spcPts val="0"/>
+              </a:spcBef>
+              <a:spcAft>
+                <a:spcPts val="0"/>
+              </a:spcAft>
+              <a:buClr>
+                <a:schemeClr val="dk1"/>
+              </a:buClr>
+              <a:buSzPts val="1100"/>
+              <a:buFont typeface="Arial"/>
+              <a:buNone/>
+            </a:pPr>
+            <a:r>
+              <a:rPr lang="en">
+                <a:latin typeface="Calibri"/>
+                <a:ea typeface="Calibri"/>
+                <a:cs typeface="Calibri"/>
+                <a:sym typeface="Calibri"/>
+              </a:rPr>
+              <a:t>3</a:t>
+            </a:r>
+            <a:endParaRPr>
+              <a:latin typeface="Calibri"/>
+              <a:ea typeface="Calibri"/>
+              <a:cs typeface="Calibri"/>
+              <a:sym typeface="Calibri"/>
+            </a:endParaRPr>
+          </a:p>
+          <a:p>
+            <a:pPr indent="0" lvl="0" marL="0" rtl="0" algn="l">
+              <a:spcBef>
+                <a:spcPts val="0"/>
+              </a:spcBef>
+              <a:spcAft>
+                <a:spcPts val="0"/>
+              </a:spcAft>
+              <a:buClr>
+                <a:schemeClr val="dk1"/>
+              </a:buClr>
+              <a:buSzPts val="1100"/>
+              <a:buFont typeface="Arial"/>
+              <a:buNone/>
+            </a:pPr>
+            <a:r>
+              <a:rPr lang="en">
+                <a:latin typeface="Calibri"/>
+                <a:ea typeface="Calibri"/>
+                <a:cs typeface="Calibri"/>
+                <a:sym typeface="Calibri"/>
+              </a:rPr>
+              <a:t>ring 280 200 2</a:t>
+            </a:r>
+            <a:endParaRPr>
+              <a:latin typeface="Calibri"/>
+              <a:ea typeface="Calibri"/>
+              <a:cs typeface="Calibri"/>
+              <a:sym typeface="Calibri"/>
+            </a:endParaRPr>
+          </a:p>
+          <a:p>
+            <a:pPr indent="0" lvl="0" marL="0" rtl="0" algn="l">
+              <a:spcBef>
+                <a:spcPts val="0"/>
+              </a:spcBef>
+              <a:spcAft>
+                <a:spcPts val="0"/>
+              </a:spcAft>
+              <a:buClr>
+                <a:schemeClr val="dk1"/>
+              </a:buClr>
+              <a:buSzPts val="1100"/>
+              <a:buFont typeface="Arial"/>
+              <a:buNone/>
+            </a:pPr>
+            <a:r>
+              <a:rPr lang="en">
+                <a:latin typeface="Calibri"/>
+                <a:ea typeface="Calibri"/>
+                <a:cs typeface="Calibri"/>
+                <a:sym typeface="Calibri"/>
+              </a:rPr>
+              <a:t>diamond 280 200 2</a:t>
+            </a:r>
+            <a:endParaRPr>
+              <a:latin typeface="Calibri"/>
+              <a:ea typeface="Calibri"/>
+              <a:cs typeface="Calibri"/>
+              <a:sym typeface="Calibri"/>
+            </a:endParaRPr>
+          </a:p>
+          <a:p>
+            <a:pPr indent="0" lvl="0" marL="0" rtl="0" algn="l">
+              <a:spcBef>
+                <a:spcPts val="0"/>
+              </a:spcBef>
+              <a:spcAft>
+                <a:spcPts val="0"/>
+              </a:spcAft>
+              <a:buClr>
+                <a:schemeClr val="dk1"/>
+              </a:buClr>
+              <a:buSzPts val="1100"/>
+              <a:buFont typeface="Arial"/>
+              <a:buNone/>
+            </a:pPr>
+            <a:r>
+              <a:rPr lang="en">
+                <a:latin typeface="Calibri"/>
+                <a:ea typeface="Calibri"/>
+                <a:cs typeface="Calibri"/>
+                <a:sym typeface="Calibri"/>
+              </a:rPr>
+              <a:t>ruby 300 300 1</a:t>
+            </a:r>
+            <a:endParaRPr>
+              <a:latin typeface="Calibri"/>
+              <a:ea typeface="Calibri"/>
+              <a:cs typeface="Calibri"/>
+              <a:sym typeface="Calibri"/>
+            </a:endParaRPr>
+          </a:p>
+          <a:p>
+            <a:pPr indent="0" lvl="0" marL="0" rtl="0" algn="l">
+              <a:spcBef>
+                <a:spcPts val="0"/>
+              </a:spcBef>
+              <a:spcAft>
+                <a:spcPts val="0"/>
+              </a:spcAft>
+              <a:buNone/>
+            </a:pPr>
+            <a:r>
+              <a:t/>
+            </a:r>
+            <a:endParaRPr>
+              <a:latin typeface="Calibri"/>
+              <a:ea typeface="Calibri"/>
+              <a:cs typeface="Calibri"/>
+              <a:sym typeface="Calibri"/>
+            </a:endParaRPr>
+          </a:p>
+        </p:txBody>
+      </p:sp>
+      <p:sp>
+        <p:nvSpPr>
+          <p:cNvPr id="219" name="Google Shape;219;p36"/>
+          <p:cNvSpPr txBox="1"/>
+          <p:nvPr/>
+        </p:nvSpPr>
+        <p:spPr>
+          <a:xfrm>
+            <a:off x="580150" y="2681400"/>
+            <a:ext cx="3991800" cy="2124000"/>
+          </a:xfrm>
+          <a:prstGeom prst="rect">
+            <a:avLst/>
+          </a:prstGeom>
+          <a:noFill/>
+          <a:ln>
+            <a:noFill/>
+          </a:ln>
+        </p:spPr>
+        <p:txBody>
+          <a:bodyPr anchorCtr="0" anchor="t" bIns="91425" lIns="91425" spcFirstLastPara="1" rIns="91425" wrap="square" tIns="91425">
+            <a:spAutoFit/>
+          </a:bodyPr>
+          <a:lstStyle/>
+          <a:p>
+            <a:pPr indent="0" lvl="0" marL="0" rtl="0" algn="l">
+              <a:spcBef>
+                <a:spcPts val="0"/>
+              </a:spcBef>
+              <a:spcAft>
+                <a:spcPts val="0"/>
+              </a:spcAft>
+              <a:buNone/>
+            </a:pPr>
+            <a:r>
+              <a:rPr lang="en">
+                <a:latin typeface="Calibri"/>
+                <a:ea typeface="Calibri"/>
+                <a:cs typeface="Calibri"/>
+                <a:sym typeface="Calibri"/>
+              </a:rPr>
+              <a:t>We expected to get an output of one ruby but instead get a output of one diamond.</a:t>
+            </a:r>
+            <a:endParaRPr>
+              <a:latin typeface="Calibri"/>
+              <a:ea typeface="Calibri"/>
+              <a:cs typeface="Calibri"/>
+              <a:sym typeface="Calibri"/>
+            </a:endParaRPr>
+          </a:p>
+          <a:p>
+            <a:pPr indent="0" lvl="0" marL="0" rtl="0" algn="l">
+              <a:spcBef>
+                <a:spcPts val="0"/>
+              </a:spcBef>
+              <a:spcAft>
+                <a:spcPts val="0"/>
+              </a:spcAft>
+              <a:buNone/>
+            </a:pPr>
+            <a:r>
+              <a:t/>
+            </a:r>
+            <a:endParaRPr>
+              <a:latin typeface="Calibri"/>
+              <a:ea typeface="Calibri"/>
+              <a:cs typeface="Calibri"/>
+              <a:sym typeface="Calibri"/>
+            </a:endParaRPr>
+          </a:p>
+          <a:p>
+            <a:pPr indent="0" lvl="0" marL="0" rtl="0" algn="l">
+              <a:spcBef>
+                <a:spcPts val="0"/>
+              </a:spcBef>
+              <a:spcAft>
+                <a:spcPts val="0"/>
+              </a:spcAft>
+              <a:buNone/>
+            </a:pPr>
+            <a:r>
+              <a:rPr lang="en">
+                <a:latin typeface="Calibri"/>
+                <a:ea typeface="Calibri"/>
+                <a:cs typeface="Calibri"/>
+                <a:sym typeface="Calibri"/>
+              </a:rPr>
+              <a:t>This is because it will first get the ring for bag a, and then mark diamond as the first one to be added and then it can’t add ruby</a:t>
+            </a:r>
+            <a:endParaRPr>
+              <a:latin typeface="Calibri"/>
+              <a:ea typeface="Calibri"/>
+              <a:cs typeface="Calibri"/>
+              <a:sym typeface="Calibri"/>
+            </a:endParaRPr>
+          </a:p>
+          <a:p>
+            <a:pPr indent="0" lvl="0" marL="0" rtl="0" algn="l">
+              <a:spcBef>
+                <a:spcPts val="0"/>
+              </a:spcBef>
+              <a:spcAft>
+                <a:spcPts val="0"/>
+              </a:spcAft>
+              <a:buClr>
+                <a:schemeClr val="dk1"/>
+              </a:buClr>
+              <a:buSzPts val="1100"/>
+              <a:buFont typeface="Arial"/>
+              <a:buNone/>
+            </a:pPr>
+            <a:r>
+              <a:rPr lang="en">
+                <a:latin typeface="Calibri"/>
+                <a:ea typeface="Calibri"/>
+                <a:cs typeface="Calibri"/>
+                <a:sym typeface="Calibri"/>
+              </a:rPr>
+              <a:t>and then it’ll add diamond</a:t>
+            </a:r>
+            <a:endParaRPr>
+              <a:latin typeface="Calibri"/>
+              <a:ea typeface="Calibri"/>
+              <a:cs typeface="Calibri"/>
+              <a:sym typeface="Calibri"/>
+            </a:endParaRPr>
+          </a:p>
+          <a:p>
+            <a:pPr indent="0" lvl="0" marL="0" rtl="0" algn="l">
+              <a:spcBef>
+                <a:spcPts val="0"/>
+              </a:spcBef>
+              <a:spcAft>
+                <a:spcPts val="0"/>
+              </a:spcAft>
+              <a:buClr>
+                <a:schemeClr val="dk1"/>
+              </a:buClr>
+              <a:buSzPts val="1100"/>
+              <a:buFont typeface="Arial"/>
+              <a:buNone/>
+            </a:pPr>
+            <a:r>
+              <a:rPr lang="en">
+                <a:latin typeface="Calibri"/>
+                <a:ea typeface="Calibri"/>
+                <a:cs typeface="Calibri"/>
+                <a:sym typeface="Calibri"/>
+              </a:rPr>
+              <a:t>to bag 2 and bag 2 cant add ruby at that point</a:t>
+            </a:r>
+            <a:endParaRPr>
+              <a:latin typeface="Calibri"/>
+              <a:ea typeface="Calibri"/>
+              <a:cs typeface="Calibri"/>
+              <a:sym typeface="Calibri"/>
+            </a:endParaRPr>
+          </a:p>
+          <a:p>
+            <a:pPr indent="0" lvl="0" marL="0" rtl="0" algn="l">
+              <a:spcBef>
+                <a:spcPts val="0"/>
+              </a:spcBef>
+              <a:spcAft>
+                <a:spcPts val="0"/>
+              </a:spcAft>
+              <a:buNone/>
+            </a:pPr>
+            <a:r>
+              <a:t/>
+            </a:r>
+            <a:endParaRPr>
+              <a:latin typeface="Calibri"/>
+              <a:ea typeface="Calibri"/>
+              <a:cs typeface="Calibri"/>
+              <a:sym typeface="Calibri"/>
+            </a:endParaRPr>
+          </a:p>
+        </p:txBody>
+      </p:sp>
+    </p:spTree>
+  </p:cSld>
+  <p:clrMapOvr>
+    <a:masterClrMapping/>
+  </p:clrMapOvr>
+</p:sld>
+</file>
+
+<file path=ppt/slides/slide13.xml><?xml version="1.0" encoding="utf-8"?>
+<p:sld xmlns:a="http://schemas.openxmlformats.org/drawingml/2006/main" xmlns:r="http://schemas.openxmlformats.org/officeDocument/2006/relationships" xmlns:mc="http://schemas.openxmlformats.org/markup-compatibility/2006" xmlns:mv="urn:schemas-microsoft-com:mac:vml" xmlns:p="http://schemas.openxmlformats.org/presentationml/2006/main" xmlns:c="http://schemas.openxmlformats.org/drawingml/2006/chart" xmlns:dgm="http://schemas.openxmlformats.org/drawingml/2006/diagram" xmlns:o="urn:schemas-microsoft-com:office:office" xmlns:v="urn:schemas-microsoft-com:vml" xmlns:pvml="urn:schemas-microsoft-com:office:powerpoint" xmlns:com="http://schemas.openxmlformats.org/drawingml/2006/compatibility" xmlns:p14="http://schemas.microsoft.com/office/powerpoint/2010/main" xmlns:p15="http://schemas.microsoft.com/office/powerpoint/2012/main" xmlns:ahyp="http://schemas.microsoft.com/office/drawing/2018/hyperlinkcolor">
+  <p:cSld>
+    <p:spTree>
+      <p:nvGrpSpPr>
+        <p:cNvPr id="223" name="Shape 223"/>
+        <p:cNvGrpSpPr/>
+        <p:nvPr/>
+      </p:nvGrpSpPr>
+      <p:grpSpPr>
+        <a:xfrm>
+          <a:off x="0" y="0"/>
+          <a:ext cx="0" cy="0"/>
+          <a:chOff x="0" y="0"/>
+          <a:chExt cx="0" cy="0"/>
+        </a:xfrm>
+      </p:grpSpPr>
+      <p:sp>
+        <p:nvSpPr>
+          <p:cNvPr id="224" name="Google Shape;224;p37"/>
+          <p:cNvSpPr txBox="1"/>
+          <p:nvPr/>
+        </p:nvSpPr>
+        <p:spPr>
+          <a:xfrm>
+            <a:off x="0" y="-14287"/>
+            <a:ext cx="9144000" cy="642900"/>
+          </a:xfrm>
+          <a:prstGeom prst="rect">
+            <a:avLst/>
+          </a:prstGeom>
+          <a:noFill/>
+          <a:ln>
+            <a:noFill/>
+          </a:ln>
+        </p:spPr>
+        <p:txBody>
+          <a:bodyPr anchorCtr="0" anchor="b" bIns="34275" lIns="68575" spcFirstLastPara="1" rIns="68575" wrap="square" tIns="34275">
+            <a:noAutofit/>
+          </a:bodyPr>
+          <a:lstStyle/>
+          <a:p>
+            <a:pPr indent="0" lvl="0" marL="0" marR="0" rtl="0" algn="l">
+              <a:lnSpc>
+                <a:spcPct val="90000"/>
+              </a:lnSpc>
+              <a:spcBef>
+                <a:spcPts val="0"/>
+              </a:spcBef>
+              <a:spcAft>
+                <a:spcPts val="0"/>
+              </a:spcAft>
+              <a:buClr>
+                <a:schemeClr val="dk1"/>
+              </a:buClr>
+              <a:buSzPts val="2700"/>
+              <a:buFont typeface="Calibri"/>
+              <a:buNone/>
+            </a:pPr>
+            <a:r>
+              <a:rPr lang="en" sz="2700">
+                <a:solidFill>
+                  <a:schemeClr val="dk1"/>
+                </a:solidFill>
+                <a:latin typeface="Calibri"/>
+                <a:ea typeface="Calibri"/>
+                <a:cs typeface="Calibri"/>
+                <a:sym typeface="Calibri"/>
+              </a:rPr>
+              <a:t>Upper Bounds</a:t>
+            </a:r>
+            <a:endParaRPr sz="1100"/>
+          </a:p>
+        </p:txBody>
+      </p:sp>
+      <p:cxnSp>
+        <p:nvCxnSpPr>
+          <p:cNvPr id="225" name="Google Shape;225;p37"/>
+          <p:cNvCxnSpPr/>
+          <p:nvPr/>
+        </p:nvCxnSpPr>
+        <p:spPr>
+          <a:xfrm>
+            <a:off x="0" y="628650"/>
+            <a:ext cx="9144000" cy="0"/>
+          </a:xfrm>
+          <a:prstGeom prst="straightConnector1">
+            <a:avLst/>
+          </a:prstGeom>
+          <a:noFill/>
+          <a:ln cap="flat" cmpd="sng" w="47625">
+            <a:solidFill>
+              <a:schemeClr val="accent1"/>
+            </a:solidFill>
+            <a:prstDash val="solid"/>
+            <a:miter lim="800000"/>
+            <a:headEnd len="sm" w="sm" type="none"/>
+            <a:tailEnd len="sm" w="sm" type="none"/>
+          </a:ln>
+        </p:spPr>
+      </p:cxnSp>
+      <p:sp>
+        <p:nvSpPr>
+          <p:cNvPr id="226" name="Google Shape;226;p37"/>
+          <p:cNvSpPr txBox="1"/>
+          <p:nvPr>
+            <p:ph idx="12" type="sldNum"/>
+          </p:nvPr>
+        </p:nvSpPr>
+        <p:spPr>
+          <a:xfrm>
+            <a:off x="8550233" y="4767263"/>
+            <a:ext cx="469200" cy="273900"/>
+          </a:xfrm>
+          <a:prstGeom prst="rect">
+            <a:avLst/>
+          </a:prstGeom>
+          <a:noFill/>
+          <a:ln>
+            <a:noFill/>
+          </a:ln>
+        </p:spPr>
+        <p:txBody>
+          <a:bodyPr anchorCtr="0" anchor="ctr" bIns="34275" lIns="68575" spcFirstLastPara="1" rIns="68575" wrap="square" tIns="34275">
+            <a:noAutofit/>
+          </a:bodyPr>
+          <a:lstStyle/>
+          <a:p>
+            <a:pPr indent="0" lvl="0" marL="0" rtl="0" algn="r">
+              <a:spcBef>
+                <a:spcPts val="0"/>
+              </a:spcBef>
+              <a:spcAft>
+                <a:spcPts val="0"/>
+              </a:spcAft>
+              <a:buNone/>
+            </a:pPr>
+            <a:fld id="{00000000-1234-1234-1234-123412341234}" type="slidenum">
+              <a:rPr lang="en"/>
+              <a:t>‹#›</a:t>
+            </a:fld>
+            <a:endParaRPr/>
+          </a:p>
+        </p:txBody>
+      </p:sp>
+      <p:sp>
+        <p:nvSpPr>
+          <p:cNvPr id="227" name="Google Shape;227;p37"/>
+          <p:cNvSpPr txBox="1"/>
+          <p:nvPr/>
+        </p:nvSpPr>
+        <p:spPr>
+          <a:xfrm>
+            <a:off x="335585" y="726495"/>
+            <a:ext cx="8045100" cy="1932000"/>
+          </a:xfrm>
+          <a:prstGeom prst="rect">
+            <a:avLst/>
+          </a:prstGeom>
+          <a:noFill/>
+          <a:ln>
+            <a:noFill/>
+          </a:ln>
+        </p:spPr>
+        <p:txBody>
+          <a:bodyPr anchorCtr="0" anchor="t" bIns="34275" lIns="68575" spcFirstLastPara="1" rIns="68575" wrap="square" tIns="34275">
+            <a:noAutofit/>
+          </a:bodyPr>
+          <a:lstStyle/>
+          <a:p>
             <a:pPr indent="-285750" lvl="0" marL="254000" marR="0" rtl="0" algn="l">
               <a:lnSpc>
                 <a:spcPct val="90000"/>
@@ -17476,7 +18416,7 @@
             </a:pPr>
             <a:r>
               <a:rPr lang="en" sz="1600"/>
-              <a:t>The time complexity for the computation of U1 or U2 is O(n) if the item types are already sorted. If this is not the case , the computation can still be done in O(n) time though an immediate adaptation of procedure Critical Item. </a:t>
+              <a:t>The time complexity for the computation of U1 or U2 is O(n) if the item types are already sorted. If the items are unsorted then we add O(nlogn) for sorting</a:t>
             </a:r>
             <a:endParaRPr sz="1600"/>
           </a:p>
@@ -17661,7 +18601,7 @@
                 <a:cs typeface="Calibri"/>
                 <a:sym typeface="Calibri"/>
               </a:rPr>
-              <a:t>Given a bag, or a knapsack, that can hold some maximum positive weight w, and given a list of items, each with a unique name, a weight, a value, and a maximum amount of copies of the item (c), does there exist a combination of items that achieves a value of at least V, while not exceeding weight w?</a:t>
+              <a:t>Given a knapsack that can hold some maximum positive weight w, a target value v, and a list of items, each with a unique name, a weight, a value, and a maximum amount of copies of the item, does there exist a combination of items that achieves a value of at least v, while not exceeding weight w?</a:t>
             </a:r>
             <a:endParaRPr sz="1100"/>
           </a:p>
@@ -17910,7 +18850,7 @@
               <a:buNone/>
             </a:pPr>
             <a:r>
-              <a:rPr b="0" i="0" lang="en" sz="2700" u="none" cap="none" strike="noStrike">
+              <a:rPr lang="en" sz="2700">
                 <a:solidFill>
                   <a:schemeClr val="dk1"/>
                 </a:solidFill>
@@ -17919,7 +18859,7 @@
                 <a:cs typeface="Calibri"/>
                 <a:sym typeface="Calibri"/>
               </a:rPr>
-              <a:t>My Problem</a:t>
+              <a:t>Bounded Max Knapsack</a:t>
             </a:r>
             <a:endParaRPr sz="1100"/>
           </a:p>
@@ -18089,7 +19029,7 @@
             <a:r>
               <a:t/>
             </a:r>
-            <a:endParaRPr sz="900">
+            <a:endParaRPr sz="600">
               <a:latin typeface="Calibri"/>
               <a:ea typeface="Calibri"/>
               <a:cs typeface="Calibri"/>
@@ -18118,7 +19058,7 @@
                 <a:cs typeface="Calibri"/>
                 <a:sym typeface="Calibri"/>
               </a:rPr>
-              <a:t>Input will begin with a single line containing a nonnegative integer weight w, representing the maximum capacity of the knapsack. This is followed by a single line that contains a nonnegative integer n followed by exactly n lines each of which contains four items (String, real, real, int). The first value is the item's name, the second is the dollar value of the item, the third is the item's weight, and the fourth is the </a:t>
+              <a:t>The input will begin with a single line containing a nonnegative integer weight w, representing the maximum capacity of the knapsack. This is followed by a single line that contains a nonnegative integer n followed by exactly n lines each of which contains four items (String, real, real, int). The first value is the item's name, the second is the dollar value of the item, the third is the item's weight, and the fourth is the </a:t>
             </a:r>
             <a:r>
               <a:rPr lang="en">
@@ -18136,7 +19076,7 @@
                 <a:cs typeface="Calibri"/>
                 <a:sym typeface="Calibri"/>
               </a:rPr>
-              <a:t> bound on how many of that item you can put into the knapsack</a:t>
+              <a:t> bound on how many of that item you can put into the knapsack.</a:t>
             </a:r>
             <a:endParaRPr>
               <a:latin typeface="Calibri"/>
@@ -18237,7 +19177,7 @@
             <a:r>
               <a:t/>
             </a:r>
-            <a:endParaRPr sz="900">
+            <a:endParaRPr sz="600">
               <a:solidFill>
                 <a:schemeClr val="dk1"/>
               </a:solidFill>
@@ -18275,7 +19215,7 @@
                 <a:cs typeface="Calibri"/>
                 <a:sym typeface="Calibri"/>
               </a:rPr>
-              <a:t>The first lines are the list of items in the knapsack with the name, value and weight. The final line is the total value of items in the knapsack, formatted to two decimal places</a:t>
+              <a:t>The output begins with a list of items in the knapsack, each with its name, value, and weight. The final line is the total value of items in the knapsack, formatted to two decimal places.</a:t>
             </a:r>
             <a:endParaRPr>
               <a:solidFill>
@@ -18438,7 +19378,7 @@
         <p:spPr>
           <a:xfrm>
             <a:off x="5284150" y="1095000"/>
-            <a:ext cx="3506100" cy="1834800"/>
+            <a:ext cx="3546300" cy="1834800"/>
           </a:xfrm>
           <a:prstGeom prst="rect">
             <a:avLst/>
@@ -18487,8 +19427,42 @@
                 <a:highlight>
                   <a:srgbClr val="EFEFEF"/>
                 </a:highlight>
+                <a:latin typeface="Roboto Medium"/>
+                <a:ea typeface="Roboto Medium"/>
+                <a:cs typeface="Roboto Medium"/>
+                <a:sym typeface="Roboto Medium"/>
               </a:rPr>
-              <a:t>11		    </a:t>
+              <a:t>16</a:t>
+            </a:r>
+            <a:r>
+              <a:rPr lang="en" sz="1200">
+                <a:solidFill>
+                  <a:srgbClr val="24292F"/>
+                </a:solidFill>
+                <a:highlight>
+                  <a:srgbClr val="EFEFEF"/>
+                </a:highlight>
+                <a:latin typeface="Roboto Medium"/>
+                <a:ea typeface="Roboto Medium"/>
+                <a:cs typeface="Roboto Medium"/>
+                <a:sym typeface="Roboto Medium"/>
+              </a:rPr>
+              <a:t>		</a:t>
+            </a:r>
+            <a:r>
+              <a:rPr lang="en" sz="1200">
+                <a:solidFill>
+                  <a:srgbClr val="24292F"/>
+                </a:solidFill>
+                <a:highlight>
+                  <a:srgbClr val="EFEFEF"/>
+                </a:highlight>
+                <a:latin typeface="Roboto Medium"/>
+                <a:ea typeface="Roboto Medium"/>
+                <a:cs typeface="Roboto Medium"/>
+                <a:sym typeface="Roboto Medium"/>
+              </a:rPr>
+              <a:t>   </a:t>
             </a:r>
             <a:r>
               <a:rPr lang="en" sz="1200">
@@ -18498,6 +19472,10 @@
                 <a:highlight>
                   <a:srgbClr val="EFEFEF"/>
                 </a:highlight>
+                <a:latin typeface="Roboto Medium"/>
+                <a:ea typeface="Roboto Medium"/>
+                <a:cs typeface="Roboto Medium"/>
+                <a:sym typeface="Roboto Medium"/>
               </a:rPr>
               <a:t># Maximum weight of knapsack</a:t>
             </a:r>
@@ -18508,6 +19486,10 @@
               <a:highlight>
                 <a:srgbClr val="EFEFEF"/>
               </a:highlight>
+              <a:latin typeface="Roboto Medium"/>
+              <a:ea typeface="Roboto Medium"/>
+              <a:cs typeface="Roboto Medium"/>
+              <a:sym typeface="Roboto Medium"/>
             </a:endParaRPr>
           </a:p>
           <a:p>
@@ -18536,8 +19518,12 @@
                 <a:highlight>
                   <a:srgbClr val="EFEFEF"/>
                 </a:highlight>
+                <a:latin typeface="Roboto Medium"/>
+                <a:ea typeface="Roboto Medium"/>
+                <a:cs typeface="Roboto Medium"/>
+                <a:sym typeface="Roboto Medium"/>
               </a:rPr>
-              <a:t>3		    </a:t>
+              <a:t>3		   </a:t>
             </a:r>
             <a:r>
               <a:rPr lang="en" sz="1200">
@@ -18547,8 +19533,27 @@
                 <a:highlight>
                   <a:srgbClr val="EFEFEF"/>
                 </a:highlight>
+                <a:latin typeface="Roboto Medium"/>
+                <a:ea typeface="Roboto Medium"/>
+                <a:cs typeface="Roboto Medium"/>
+                <a:sym typeface="Roboto Medium"/>
               </a:rPr>
-              <a:t># Amount of items</a:t>
+              <a:t>#</a:t>
+            </a:r>
+            <a:r>
+              <a:rPr lang="en" sz="1200">
+                <a:solidFill>
+                  <a:srgbClr val="38761D"/>
+                </a:solidFill>
+                <a:highlight>
+                  <a:srgbClr val="EFEFEF"/>
+                </a:highlight>
+                <a:latin typeface="Roboto Medium"/>
+                <a:ea typeface="Roboto Medium"/>
+                <a:cs typeface="Roboto Medium"/>
+                <a:sym typeface="Roboto Medium"/>
+              </a:rPr>
+              <a:t> Amount of items</a:t>
             </a:r>
             <a:endParaRPr sz="1200">
               <a:solidFill>
@@ -18557,6 +19562,10 @@
               <a:highlight>
                 <a:srgbClr val="EFEFEF"/>
               </a:highlight>
+              <a:latin typeface="Roboto Medium"/>
+              <a:ea typeface="Roboto Medium"/>
+              <a:cs typeface="Roboto Medium"/>
+              <a:sym typeface="Roboto Medium"/>
             </a:endParaRPr>
           </a:p>
           <a:p>
@@ -18585,8 +19594,12 @@
                 <a:highlight>
                   <a:srgbClr val="EFEFEF"/>
                 </a:highlight>
+                <a:latin typeface="Roboto Medium"/>
+                <a:ea typeface="Roboto Medium"/>
+                <a:cs typeface="Roboto Medium"/>
+                <a:sym typeface="Roboto Medium"/>
               </a:rPr>
-              <a:t>ring 100 5 2	    </a:t>
+              <a:t>ring 100 5 2	   </a:t>
             </a:r>
             <a:r>
               <a:rPr lang="en" sz="1200">
@@ -18596,8 +19609,12 @@
                 <a:highlight>
                   <a:srgbClr val="EFEFEF"/>
                 </a:highlight>
+                <a:latin typeface="Roboto Medium"/>
+                <a:ea typeface="Roboto Medium"/>
+                <a:cs typeface="Roboto Medium"/>
+                <a:sym typeface="Roboto Medium"/>
               </a:rPr>
-              <a:t># name value weight availability</a:t>
+              <a:t># Name, value, weight, availability</a:t>
             </a:r>
             <a:endParaRPr sz="1200">
               <a:solidFill>
@@ -18606,6 +19623,10 @@
               <a:highlight>
                 <a:srgbClr val="EFEFEF"/>
               </a:highlight>
+              <a:latin typeface="Roboto Medium"/>
+              <a:ea typeface="Roboto Medium"/>
+              <a:cs typeface="Roboto Medium"/>
+              <a:sym typeface="Roboto Medium"/>
             </a:endParaRPr>
           </a:p>
           <a:p>
@@ -18634,6 +19655,10 @@
                 <a:highlight>
                   <a:srgbClr val="EFEFEF"/>
                 </a:highlight>
+                <a:latin typeface="Roboto Medium"/>
+                <a:ea typeface="Roboto Medium"/>
+                <a:cs typeface="Roboto Medium"/>
+                <a:sym typeface="Roboto Medium"/>
               </a:rPr>
               <a:t>gold 50 10 5</a:t>
             </a:r>
@@ -18644,6 +19669,10 @@
               <a:highlight>
                 <a:srgbClr val="EFEFEF"/>
               </a:highlight>
+              <a:latin typeface="Roboto Medium"/>
+              <a:ea typeface="Roboto Medium"/>
+              <a:cs typeface="Roboto Medium"/>
+              <a:sym typeface="Roboto Medium"/>
             </a:endParaRPr>
           </a:p>
           <a:p>
@@ -18667,6 +19696,10 @@
                 <a:highlight>
                   <a:srgbClr val="EFEFEF"/>
                 </a:highlight>
+                <a:latin typeface="Roboto Medium"/>
+                <a:ea typeface="Roboto Medium"/>
+                <a:cs typeface="Roboto Medium"/>
+                <a:sym typeface="Roboto Medium"/>
               </a:rPr>
               <a:t>silver 50 5 1</a:t>
             </a:r>
@@ -18674,10 +19707,10 @@
               <a:highlight>
                 <a:srgbClr val="EFEFEF"/>
               </a:highlight>
-              <a:latin typeface="Verdana"/>
-              <a:ea typeface="Verdana"/>
-              <a:cs typeface="Verdana"/>
-              <a:sym typeface="Verdana"/>
+              <a:latin typeface="Roboto Medium"/>
+              <a:ea typeface="Roboto Medium"/>
+              <a:cs typeface="Roboto Medium"/>
+              <a:sym typeface="Roboto Medium"/>
             </a:endParaRPr>
           </a:p>
         </p:txBody>
@@ -18690,8 +19723,8 @@
         </p:nvSpPr>
         <p:spPr>
           <a:xfrm>
-            <a:off x="5284150" y="3075750"/>
-            <a:ext cx="3506100" cy="1680900"/>
+            <a:off x="5284150" y="3304350"/>
+            <a:ext cx="3546300" cy="1680900"/>
           </a:xfrm>
           <a:prstGeom prst="rect">
             <a:avLst/>
@@ -18735,16 +19768,54 @@
                 <a:highlight>
                   <a:srgbClr val="EFEFEF"/>
                 </a:highlight>
+                <a:latin typeface="Roboto Medium"/>
+                <a:ea typeface="Roboto Medium"/>
+                <a:cs typeface="Roboto Medium"/>
+                <a:sym typeface="Roboto Medium"/>
               </a:rPr>
-              <a:t>ring 100 50	    # name, value, weight</a:t>
+              <a:t>ring 100 5	  </a:t>
+            </a:r>
+            <a:r>
+              <a:rPr lang="en" sz="1200">
+                <a:solidFill>
+                  <a:srgbClr val="38761D"/>
+                </a:solidFill>
+                <a:highlight>
+                  <a:srgbClr val="EFEFEF"/>
+                </a:highlight>
+                <a:latin typeface="Roboto Medium"/>
+                <a:ea typeface="Roboto Medium"/>
+                <a:cs typeface="Roboto Medium"/>
+                <a:sym typeface="Roboto Medium"/>
+              </a:rPr>
+              <a:t> # N</a:t>
+            </a:r>
+            <a:r>
+              <a:rPr lang="en" sz="1200">
+                <a:solidFill>
+                  <a:srgbClr val="38761D"/>
+                </a:solidFill>
+                <a:highlight>
+                  <a:srgbClr val="EFEFEF"/>
+                </a:highlight>
+                <a:latin typeface="Roboto Medium"/>
+                <a:ea typeface="Roboto Medium"/>
+                <a:cs typeface="Roboto Medium"/>
+                <a:sym typeface="Roboto Medium"/>
+              </a:rPr>
+              <a:t>ame, value, weight</a:t>
             </a:r>
             <a:endParaRPr sz="1200">
               <a:solidFill>
-                <a:srgbClr val="24292F"/>
+                <a:srgbClr val="38761D"/>
               </a:solidFill>
               <a:highlight>
                 <a:srgbClr val="EFEFEF"/>
               </a:highlight>
+              <a:latin typeface="Roboto Medium"/>
+              <a:ea typeface="Roboto Medium"/>
+              <a:cs typeface="Roboto Medium"/>
+              <a:sym typeface="Roboto Medium"/>
             </a:endParaRPr>
           </a:p>
           <a:p>
@@ -18768,8 +19839,12 @@
                 <a:highlight>
                   <a:srgbClr val="EFEFEF"/>
                 </a:highlight>
+                <a:latin typeface="Roboto Medium"/>
+                <a:ea typeface="Roboto Medium"/>
+                <a:cs typeface="Roboto Medium"/>
+                <a:sym typeface="Roboto Medium"/>
               </a:rPr>
-              <a:t>silver 50 25	 </a:t>
+              <a:t>silver 50 10	   </a:t>
             </a:r>
             <a:endParaRPr sz="1200">
               <a:solidFill>
@@ -18778,6 +19853,10 @@
               <a:highlight>
                 <a:srgbClr val="EFEFEF"/>
               </a:highlight>
+              <a:latin typeface="Roboto Medium"/>
+              <a:ea typeface="Roboto Medium"/>
+              <a:cs typeface="Roboto Medium"/>
+              <a:sym typeface="Roboto Medium"/>
             </a:endParaRPr>
           </a:p>
           <a:p>
@@ -18801,8 +19880,12 @@
                 <a:highlight>
                   <a:srgbClr val="EFEFEF"/>
                 </a:highlight>
+                <a:latin typeface="Roboto Medium"/>
+                <a:ea typeface="Roboto Medium"/>
+                <a:cs typeface="Roboto Medium"/>
+                <a:sym typeface="Roboto Medium"/>
               </a:rPr>
-              <a:t>gold 5 1</a:t>
+              <a:t>gold 50 1	   </a:t>
             </a:r>
             <a:endParaRPr sz="1200">
               <a:solidFill>
@@ -18811,6 +19894,10 @@
               <a:highlight>
                 <a:srgbClr val="EFEFEF"/>
               </a:highlight>
+              <a:latin typeface="Roboto Medium"/>
+              <a:ea typeface="Roboto Medium"/>
+              <a:cs typeface="Roboto Medium"/>
+              <a:sym typeface="Roboto Medium"/>
             </a:endParaRPr>
           </a:p>
           <a:p>
@@ -18834,16 +19921,39 @@
                 <a:highlight>
                   <a:srgbClr val="EFEFEF"/>
                 </a:highlight>
+                <a:latin typeface="Roboto Medium"/>
+                <a:ea typeface="Roboto Medium"/>
+                <a:cs typeface="Roboto Medium"/>
+                <a:sym typeface="Roboto Medium"/>
               </a:rPr>
-              <a:t>155.00</a:t>
+              <a:t>200.00	   </a:t>
+            </a:r>
+            <a:r>
+              <a:rPr lang="en" sz="1200">
+                <a:solidFill>
+                  <a:srgbClr val="38761D"/>
+                </a:solidFill>
+                <a:highlight>
+                  <a:srgbClr val="EFEFEF"/>
+                </a:highlight>
+                <a:latin typeface="Roboto Medium"/>
+                <a:ea typeface="Roboto Medium"/>
+                <a:cs typeface="Roboto Medium"/>
+                <a:sym typeface="Roboto Medium"/>
+              </a:rPr>
+              <a:t># Total value of knapsack</a:t>
             </a:r>
             <a:endParaRPr sz="1200">
               <a:solidFill>
-                <a:srgbClr val="24292F"/>
+                <a:srgbClr val="38761D"/>
               </a:solidFill>
               <a:highlight>
                 <a:srgbClr val="EFEFEF"/>
               </a:highlight>
+              <a:latin typeface="Roboto Medium"/>
+              <a:ea typeface="Roboto Medium"/>
+              <a:cs typeface="Roboto Medium"/>
+              <a:sym typeface="Roboto Medium"/>
             </a:endParaRPr>
           </a:p>
           <a:p>
@@ -19118,7 +20228,7 @@
         <p:spPr>
           <a:xfrm>
             <a:off x="0" y="-14287"/>
-            <a:ext cx="9144000" cy="642938"/>
+            <a:ext cx="9144000" cy="642900"/>
           </a:xfrm>
           <a:prstGeom prst="rect">
             <a:avLst/>
@@ -19152,7 +20262,7 @@
               <a:buNone/>
             </a:pPr>
             <a:r>
-              <a:rPr b="0" i="0" lang="en" sz="2700" u="none" cap="none" strike="noStrike">
+              <a:rPr lang="en" sz="2700">
                 <a:solidFill>
                   <a:schemeClr val="dk1"/>
                 </a:solidFill>
@@ -19161,7 +20271,19 @@
                 <a:cs typeface="Calibri"/>
                 <a:sym typeface="Calibri"/>
               </a:rPr>
-              <a:t>Sketch of Exact Solution (pseudo-code)</a:t>
+              <a:t>An explanation of </a:t>
+            </a:r>
+            <a:r>
+              <a:rPr lang="en" sz="2700">
+                <a:solidFill>
+                  <a:schemeClr val="dk1"/>
+                </a:solidFill>
+                <a:latin typeface="Calibri"/>
+                <a:ea typeface="Calibri"/>
+                <a:cs typeface="Calibri"/>
+                <a:sym typeface="Calibri"/>
+              </a:rPr>
+              <a:t>pseudo-polynomial time</a:t>
             </a:r>
             <a:endParaRPr sz="1100"/>
           </a:p>
@@ -19204,7 +20326,7 @@
         <p:spPr>
           <a:xfrm>
             <a:off x="8550233" y="4767263"/>
-            <a:ext cx="469213" cy="273844"/>
+            <a:ext cx="469200" cy="273900"/>
           </a:xfrm>
           <a:prstGeom prst="rect">
             <a:avLst/>
@@ -19237,6 +20359,64 @@
           </a:p>
         </p:txBody>
       </p:sp>
+      <p:sp>
+        <p:nvSpPr>
+          <p:cNvPr id="165" name="Google Shape;165;p29"/>
+          <p:cNvSpPr txBox="1"/>
+          <p:nvPr/>
+        </p:nvSpPr>
+        <p:spPr>
+          <a:xfrm>
+            <a:off x="335585" y="726496"/>
+            <a:ext cx="8045100" cy="1007400"/>
+          </a:xfrm>
+          <a:prstGeom prst="rect">
+            <a:avLst/>
+          </a:prstGeom>
+          <a:noFill/>
+          <a:ln>
+            <a:noFill/>
+          </a:ln>
+        </p:spPr>
+        <p:txBody>
+          <a:bodyPr anchorCtr="0" anchor="t" bIns="34275" lIns="68575" spcFirstLastPara="1" rIns="68575" wrap="square" tIns="34275">
+            <a:noAutofit/>
+          </a:bodyPr>
+          <a:lstStyle/>
+          <a:p>
+            <a:pPr indent="0" lvl="0" marL="0" marR="0" rtl="0" algn="l">
+              <a:lnSpc>
+                <a:spcPct val="90000"/>
+              </a:lnSpc>
+              <a:spcBef>
+                <a:spcPts val="0"/>
+              </a:spcBef>
+              <a:spcAft>
+                <a:spcPts val="0"/>
+              </a:spcAft>
+              <a:buClr>
+                <a:schemeClr val="dk1"/>
+              </a:buClr>
+              <a:buSzPts val="1800"/>
+              <a:buFont typeface="Arial"/>
+              <a:buNone/>
+            </a:pPr>
+            <a:r>
+              <a:rPr lang="en" sz="1800">
+                <a:solidFill>
+                  <a:schemeClr val="dk1"/>
+                </a:solidFill>
+                <a:latin typeface="Calibri"/>
+                <a:ea typeface="Calibri"/>
+                <a:cs typeface="Calibri"/>
+                <a:sym typeface="Calibri"/>
+              </a:rPr>
+              <a:t>Why this problem looks polynomial but isn’t</a:t>
+            </a:r>
+            <a:endParaRPr sz="1100"/>
+          </a:p>
+        </p:txBody>
+      </p:sp>
     </p:spTree>
   </p:cSld>
   <p:clrMapOvr>
@@ -19250,7 +20430,7 @@
   <p:cSld>
     <p:spTree>
       <p:nvGrpSpPr>
-        <p:cNvPr id="168" name="Shape 168"/>
+        <p:cNvPr id="169" name="Shape 169"/>
         <p:cNvGrpSpPr/>
         <p:nvPr/>
       </p:nvGrpSpPr>
@@ -19264,7 +20444,7 @@
       </p:grpSpPr>
       <p:sp>
         <p:nvSpPr>
-          <p:cNvPr id="169" name="Google Shape;169;p30"/>
+          <p:cNvPr id="170" name="Google Shape;170;p30"/>
           <p:cNvSpPr txBox="1"/>
           <p:nvPr/>
         </p:nvSpPr>
@@ -19314,7 +20494,7 @@
                 <a:cs typeface="Calibri"/>
                 <a:sym typeface="Calibri"/>
               </a:rPr>
-              <a:t>Worst Case Example (if possible)</a:t>
+              <a:t>Sketch of Exact Solution (pseudo-code)</a:t>
             </a:r>
             <a:endParaRPr sz="1100"/>
           </a:p>
@@ -19322,7 +20502,7 @@
       </p:sp>
       <p:cxnSp>
         <p:nvCxnSpPr>
-          <p:cNvPr id="170" name="Google Shape;170;p30"/>
+          <p:cNvPr id="171" name="Google Shape;171;p30"/>
           <p:cNvCxnSpPr/>
           <p:nvPr/>
         </p:nvCxnSpPr>
@@ -19348,7 +20528,7 @@
       </p:cxnSp>
       <p:sp>
         <p:nvSpPr>
-          <p:cNvPr id="171" name="Google Shape;171;p30"/>
+          <p:cNvPr id="172" name="Google Shape;172;p30"/>
           <p:cNvSpPr txBox="1"/>
           <p:nvPr>
             <p:ph idx="12" type="sldNum"/>
@@ -19403,7 +20583,7 @@
   <p:cSld>
     <p:spTree>
       <p:nvGrpSpPr>
-        <p:cNvPr id="175" name="Shape 175"/>
+        <p:cNvPr id="176" name="Shape 176"/>
         <p:cNvGrpSpPr/>
         <p:nvPr/>
       </p:nvGrpSpPr>
@@ -19417,7 +20597,7 @@
       </p:grpSpPr>
       <p:sp>
         <p:nvSpPr>
-          <p:cNvPr id="176" name="Google Shape;176;p31"/>
+          <p:cNvPr id="177" name="Google Shape;177;p31"/>
           <p:cNvSpPr txBox="1"/>
           <p:nvPr/>
         </p:nvSpPr>
@@ -19467,7 +20647,7 @@
                 <a:cs typeface="Calibri"/>
                 <a:sym typeface="Calibri"/>
               </a:rPr>
-              <a:t>Test Cases</a:t>
+              <a:t>Worst Case Example (if possible)</a:t>
             </a:r>
             <a:endParaRPr sz="1100"/>
           </a:p>
@@ -19475,7 +20655,7 @@
       </p:sp>
       <p:cxnSp>
         <p:nvCxnSpPr>
-          <p:cNvPr id="177" name="Google Shape;177;p31"/>
+          <p:cNvPr id="178" name="Google Shape;178;p31"/>
           <p:cNvCxnSpPr/>
           <p:nvPr/>
         </p:nvCxnSpPr>
@@ -19501,7 +20681,7 @@
       </p:cxnSp>
       <p:sp>
         <p:nvSpPr>
-          <p:cNvPr id="178" name="Google Shape;178;p31"/>
+          <p:cNvPr id="179" name="Google Shape;179;p31"/>
           <p:cNvSpPr txBox="1"/>
           <p:nvPr>
             <p:ph idx="12" type="sldNum"/>
@@ -19540,160 +20720,6 @@
               <a:t>‹#›</a:t>
             </a:fld>
             <a:endParaRPr/>
-          </a:p>
-        </p:txBody>
-      </p:sp>
-      <p:sp>
-        <p:nvSpPr>
-          <p:cNvPr id="179" name="Google Shape;179;p31"/>
-          <p:cNvSpPr txBox="1"/>
-          <p:nvPr/>
-        </p:nvSpPr>
-        <p:spPr>
-          <a:xfrm>
-            <a:off x="335585" y="726495"/>
-            <a:ext cx="8044954" cy="1562071"/>
-          </a:xfrm>
-          <a:prstGeom prst="rect">
-            <a:avLst/>
-          </a:prstGeom>
-          <a:noFill/>
-          <a:ln>
-            <a:noFill/>
-          </a:ln>
-        </p:spPr>
-        <p:txBody>
-          <a:bodyPr anchorCtr="0" anchor="t" bIns="34275" lIns="68575" spcFirstLastPara="1" rIns="68575" wrap="square" tIns="34275">
-            <a:noAutofit/>
-          </a:bodyPr>
-          <a:lstStyle/>
-          <a:p>
-            <a:pPr indent="0" lvl="0" marL="0" marR="0" rtl="0" algn="l">
-              <a:lnSpc>
-                <a:spcPct val="90000"/>
-              </a:lnSpc>
-              <a:spcBef>
-                <a:spcPts val="0"/>
-              </a:spcBef>
-              <a:spcAft>
-                <a:spcPts val="0"/>
-              </a:spcAft>
-              <a:buClr>
-                <a:schemeClr val="dk1"/>
-              </a:buClr>
-              <a:buSzPts val="1800"/>
-              <a:buFont typeface="Arial"/>
-              <a:buNone/>
-            </a:pPr>
-            <a:r>
-              <a:rPr b="0" i="0" lang="en" sz="1800" u="none" cap="none" strike="noStrike">
-                <a:solidFill>
-                  <a:schemeClr val="dk1"/>
-                </a:solidFill>
-                <a:latin typeface="Calibri"/>
-                <a:ea typeface="Calibri"/>
-                <a:cs typeface="Calibri"/>
-                <a:sym typeface="Calibri"/>
-              </a:rPr>
-              <a:t>How did you generate them? (hopefully with a python program)</a:t>
-            </a:r>
-            <a:endParaRPr sz="1100"/>
-          </a:p>
-          <a:p>
-            <a:pPr indent="0" lvl="0" marL="0" marR="0" rtl="0" algn="l">
-              <a:lnSpc>
-                <a:spcPct val="90000"/>
-              </a:lnSpc>
-              <a:spcBef>
-                <a:spcPts val="800"/>
-              </a:spcBef>
-              <a:spcAft>
-                <a:spcPts val="0"/>
-              </a:spcAft>
-              <a:buClr>
-                <a:schemeClr val="dk1"/>
-              </a:buClr>
-              <a:buSzPts val="1800"/>
-              <a:buFont typeface="Arial"/>
-              <a:buNone/>
-            </a:pPr>
-            <a:r>
-              <a:rPr b="0" i="0" lang="en" sz="1800" u="none" cap="none" strike="noStrike">
-                <a:solidFill>
-                  <a:schemeClr val="dk1"/>
-                </a:solidFill>
-                <a:latin typeface="Calibri"/>
-                <a:ea typeface="Calibri"/>
-                <a:cs typeface="Calibri"/>
-                <a:sym typeface="Calibri"/>
-              </a:rPr>
-              <a:t>Test case Sizes?</a:t>
-            </a:r>
-            <a:endParaRPr sz="1100"/>
-          </a:p>
-          <a:p>
-            <a:pPr indent="0" lvl="0" marL="0" marR="0" rtl="0" algn="l">
-              <a:lnSpc>
-                <a:spcPct val="90000"/>
-              </a:lnSpc>
-              <a:spcBef>
-                <a:spcPts val="800"/>
-              </a:spcBef>
-              <a:spcAft>
-                <a:spcPts val="0"/>
-              </a:spcAft>
-              <a:buClr>
-                <a:schemeClr val="dk1"/>
-              </a:buClr>
-              <a:buSzPts val="1800"/>
-              <a:buFont typeface="Arial"/>
-              <a:buNone/>
-            </a:pPr>
-            <a:r>
-              <a:rPr b="0" i="0" lang="en" sz="1800" u="none" cap="none" strike="noStrike">
-                <a:solidFill>
-                  <a:schemeClr val="dk1"/>
-                </a:solidFill>
-                <a:latin typeface="Calibri"/>
-                <a:ea typeface="Calibri"/>
-                <a:cs typeface="Calibri"/>
-                <a:sym typeface="Calibri"/>
-              </a:rPr>
-              <a:t>Performance of test cases of different sizes?</a:t>
-            </a:r>
-            <a:endParaRPr sz="1100"/>
-          </a:p>
-          <a:p>
-            <a:pPr indent="0" lvl="0" marL="0" marR="0" rtl="0" algn="l">
-              <a:lnSpc>
-                <a:spcPct val="90000"/>
-              </a:lnSpc>
-              <a:spcBef>
-                <a:spcPts val="800"/>
-              </a:spcBef>
-              <a:spcAft>
-                <a:spcPts val="0"/>
-              </a:spcAft>
-              <a:buClr>
-                <a:schemeClr val="dk1"/>
-              </a:buClr>
-              <a:buSzPts val="1800"/>
-              <a:buFont typeface="Arial"/>
-              <a:buNone/>
-            </a:pPr>
-            <a:r>
-              <a:rPr b="0" i="0" lang="en" sz="1800" u="none" cap="none" strike="noStrike">
-                <a:solidFill>
-                  <a:schemeClr val="dk1"/>
-                </a:solidFill>
-                <a:latin typeface="Calibri"/>
-                <a:ea typeface="Calibri"/>
-                <a:cs typeface="Calibri"/>
-                <a:sym typeface="Calibri"/>
-              </a:rPr>
-              <a:t>Plot of the run time of your program as you increase the input size.  You MUST run your program on inputs that cause your program to run more than 20 minutes.</a:t>
-            </a:r>
-            <a:endParaRPr sz="1100"/>
           </a:p>
         </p:txBody>
       </p:sp>
@@ -19726,6 +20752,313 @@
         <p:nvSpPr>
           <p:cNvPr id="184" name="Google Shape;184;p32"/>
           <p:cNvSpPr txBox="1"/>
+          <p:nvPr/>
+        </p:nvSpPr>
+        <p:spPr>
+          <a:xfrm>
+            <a:off x="0" y="-14287"/>
+            <a:ext cx="9144000" cy="642938"/>
+          </a:xfrm>
+          <a:prstGeom prst="rect">
+            <a:avLst/>
+          </a:prstGeom>
+          <a:noFill/>
+          <a:ln>
+            <a:noFill/>
+          </a:ln>
+        </p:spPr>
+        <p:txBody>
+          <a:bodyPr anchorCtr="0" anchor="b" bIns="34275" lIns="68575" spcFirstLastPara="1" rIns="68575" wrap="square" tIns="34275">
+            <a:noAutofit/>
+          </a:bodyPr>
+          <a:lstStyle/>
+          <a:p>
+            <a:pPr indent="0" lvl="0" marL="0" marR="0" rtl="0" algn="l">
+              <a:lnSpc>
+                <a:spcPct val="90000"/>
+              </a:lnSpc>
+              <a:spcBef>
+                <a:spcPts val="0"/>
+              </a:spcBef>
+              <a:spcAft>
+                <a:spcPts val="0"/>
+              </a:spcAft>
+              <a:buClr>
+                <a:schemeClr val="dk1"/>
+              </a:buClr>
+              <a:buSzPts val="2700"/>
+              <a:buFont typeface="Calibri"/>
+              <a:buNone/>
+            </a:pPr>
+            <a:r>
+              <a:rPr b="0" i="0" lang="en" sz="2700" u="none" cap="none" strike="noStrike">
+                <a:solidFill>
+                  <a:schemeClr val="dk1"/>
+                </a:solidFill>
+                <a:latin typeface="Calibri"/>
+                <a:ea typeface="Calibri"/>
+                <a:cs typeface="Calibri"/>
+                <a:sym typeface="Calibri"/>
+              </a:rPr>
+              <a:t>Test Cases</a:t>
+            </a:r>
+            <a:endParaRPr sz="1100"/>
+          </a:p>
+        </p:txBody>
+      </p:sp>
+      <p:cxnSp>
+        <p:nvCxnSpPr>
+          <p:cNvPr id="185" name="Google Shape;185;p32"/>
+          <p:cNvCxnSpPr/>
+          <p:nvPr/>
+        </p:nvCxnSpPr>
+        <p:spPr>
+          <a:xfrm>
+            <a:off x="0" y="628650"/>
+            <a:ext cx="9144000" cy="0"/>
+          </a:xfrm>
+          <a:prstGeom prst="straightConnector1">
+            <a:avLst/>
+          </a:prstGeom>
+          <a:noFill/>
+          <a:ln cap="flat" cmpd="sng" w="47625">
+            <a:solidFill>
+              <a:schemeClr val="accent1"/>
+            </a:solidFill>
+            <a:prstDash val="solid"/>
+            <a:miter lim="800000"/>
+            <a:headEnd len="sm" w="sm" type="none"/>
+            <a:tailEnd len="sm" w="sm" type="none"/>
+          </a:ln>
+        </p:spPr>
+      </p:cxnSp>
+      <p:sp>
+        <p:nvSpPr>
+          <p:cNvPr id="186" name="Google Shape;186;p32"/>
+          <p:cNvSpPr txBox="1"/>
+          <p:nvPr>
+            <p:ph idx="12" type="sldNum"/>
+          </p:nvPr>
+        </p:nvSpPr>
+        <p:spPr>
+          <a:xfrm>
+            <a:off x="8550233" y="4767263"/>
+            <a:ext cx="469213" cy="273844"/>
+          </a:xfrm>
+          <a:prstGeom prst="rect">
+            <a:avLst/>
+          </a:prstGeom>
+          <a:noFill/>
+          <a:ln>
+            <a:noFill/>
+          </a:ln>
+        </p:spPr>
+        <p:txBody>
+          <a:bodyPr anchorCtr="0" anchor="ctr" bIns="34275" lIns="68575" spcFirstLastPara="1" rIns="68575" wrap="square" tIns="34275">
+            <a:noAutofit/>
+          </a:bodyPr>
+          <a:lstStyle/>
+          <a:p>
+            <a:pPr indent="0" lvl="0" marL="0" rtl="0" algn="r">
+              <a:spcBef>
+                <a:spcPts val="0"/>
+              </a:spcBef>
+              <a:spcAft>
+                <a:spcPts val="0"/>
+              </a:spcAft>
+              <a:buNone/>
+            </a:pPr>
+            <a:fld id="{00000000-1234-1234-1234-123412341234}" type="slidenum">
+              <a:rPr lang="en"/>
+              <a:t>‹#›</a:t>
+            </a:fld>
+            <a:endParaRPr/>
+          </a:p>
+        </p:txBody>
+      </p:sp>
+      <p:sp>
+        <p:nvSpPr>
+          <p:cNvPr id="187" name="Google Shape;187;p32"/>
+          <p:cNvSpPr txBox="1"/>
+          <p:nvPr/>
+        </p:nvSpPr>
+        <p:spPr>
+          <a:xfrm>
+            <a:off x="335585" y="726495"/>
+            <a:ext cx="8044954" cy="1562071"/>
+          </a:xfrm>
+          <a:prstGeom prst="rect">
+            <a:avLst/>
+          </a:prstGeom>
+          <a:noFill/>
+          <a:ln>
+            <a:noFill/>
+          </a:ln>
+        </p:spPr>
+        <p:txBody>
+          <a:bodyPr anchorCtr="0" anchor="t" bIns="34275" lIns="68575" spcFirstLastPara="1" rIns="68575" wrap="square" tIns="34275">
+            <a:noAutofit/>
+          </a:bodyPr>
+          <a:lstStyle/>
+          <a:p>
+            <a:pPr indent="0" lvl="0" marL="0" marR="0" rtl="0" algn="l">
+              <a:lnSpc>
+                <a:spcPct val="90000"/>
+              </a:lnSpc>
+              <a:spcBef>
+                <a:spcPts val="0"/>
+              </a:spcBef>
+              <a:spcAft>
+                <a:spcPts val="0"/>
+              </a:spcAft>
+              <a:buClr>
+                <a:schemeClr val="dk1"/>
+              </a:buClr>
+              <a:buSzPts val="1800"/>
+              <a:buFont typeface="Arial"/>
+              <a:buNone/>
+            </a:pPr>
+            <a:r>
+              <a:rPr b="0" i="0" lang="en" sz="1800" u="none" cap="none" strike="noStrike">
+                <a:solidFill>
+                  <a:schemeClr val="dk1"/>
+                </a:solidFill>
+                <a:latin typeface="Calibri"/>
+                <a:ea typeface="Calibri"/>
+                <a:cs typeface="Calibri"/>
+                <a:sym typeface="Calibri"/>
+              </a:rPr>
+              <a:t>How did you generate them? (hopefully with a python program)</a:t>
+            </a:r>
+            <a:endParaRPr sz="1100"/>
+          </a:p>
+          <a:p>
+            <a:pPr indent="0" lvl="0" marL="0" marR="0" rtl="0" algn="l">
+              <a:lnSpc>
+                <a:spcPct val="90000"/>
+              </a:lnSpc>
+              <a:spcBef>
+                <a:spcPts val="800"/>
+              </a:spcBef>
+              <a:spcAft>
+                <a:spcPts val="0"/>
+              </a:spcAft>
+              <a:buClr>
+                <a:schemeClr val="dk1"/>
+              </a:buClr>
+              <a:buSzPts val="1800"/>
+              <a:buFont typeface="Arial"/>
+              <a:buNone/>
+            </a:pPr>
+            <a:r>
+              <a:rPr b="0" i="0" lang="en" sz="1800" u="none" cap="none" strike="noStrike">
+                <a:solidFill>
+                  <a:schemeClr val="dk1"/>
+                </a:solidFill>
+                <a:latin typeface="Calibri"/>
+                <a:ea typeface="Calibri"/>
+                <a:cs typeface="Calibri"/>
+                <a:sym typeface="Calibri"/>
+              </a:rPr>
+              <a:t>Test case Sizes?</a:t>
+            </a:r>
+            <a:endParaRPr sz="1100"/>
+          </a:p>
+          <a:p>
+            <a:pPr indent="0" lvl="0" marL="0" marR="0" rtl="0" algn="l">
+              <a:lnSpc>
+                <a:spcPct val="90000"/>
+              </a:lnSpc>
+              <a:spcBef>
+                <a:spcPts val="800"/>
+              </a:spcBef>
+              <a:spcAft>
+                <a:spcPts val="0"/>
+              </a:spcAft>
+              <a:buClr>
+                <a:schemeClr val="dk1"/>
+              </a:buClr>
+              <a:buSzPts val="1800"/>
+              <a:buFont typeface="Arial"/>
+              <a:buNone/>
+            </a:pPr>
+            <a:r>
+              <a:rPr b="0" i="0" lang="en" sz="1800" u="none" cap="none" strike="noStrike">
+                <a:solidFill>
+                  <a:schemeClr val="dk1"/>
+                </a:solidFill>
+                <a:latin typeface="Calibri"/>
+                <a:ea typeface="Calibri"/>
+                <a:cs typeface="Calibri"/>
+                <a:sym typeface="Calibri"/>
+              </a:rPr>
+              <a:t>Performance of test cases of different sizes?</a:t>
+            </a:r>
+            <a:endParaRPr sz="1100"/>
+          </a:p>
+          <a:p>
+            <a:pPr indent="0" lvl="0" marL="0" marR="0" rtl="0" algn="l">
+              <a:lnSpc>
+                <a:spcPct val="90000"/>
+              </a:lnSpc>
+              <a:spcBef>
+                <a:spcPts val="800"/>
+              </a:spcBef>
+              <a:spcAft>
+                <a:spcPts val="0"/>
+              </a:spcAft>
+              <a:buClr>
+                <a:schemeClr val="dk1"/>
+              </a:buClr>
+              <a:buSzPts val="1800"/>
+              <a:buFont typeface="Arial"/>
+              <a:buNone/>
+            </a:pPr>
+            <a:r>
+              <a:rPr b="0" i="0" lang="en" sz="1800" u="none" cap="none" strike="noStrike">
+                <a:solidFill>
+                  <a:schemeClr val="dk1"/>
+                </a:solidFill>
+                <a:latin typeface="Calibri"/>
+                <a:ea typeface="Calibri"/>
+                <a:cs typeface="Calibri"/>
+                <a:sym typeface="Calibri"/>
+              </a:rPr>
+              <a:t>Plot of the run time of your program as you increase the input size.  You MUST run your program on inputs that cause your program to run more than 20 minutes.</a:t>
+            </a:r>
+            <a:endParaRPr sz="1100"/>
+          </a:p>
+        </p:txBody>
+      </p:sp>
+    </p:spTree>
+  </p:cSld>
+  <p:clrMapOvr>
+    <a:masterClrMapping/>
+  </p:clrMapOvr>
+</p:sld>
+</file>
+
+<file path=ppt/slides/slide9.xml><?xml version="1.0" encoding="utf-8"?>
+<p:sld xmlns:a="http://schemas.openxmlformats.org/drawingml/2006/main" xmlns:r="http://schemas.openxmlformats.org/officeDocument/2006/relationships" xmlns:mc="http://schemas.openxmlformats.org/markup-compatibility/2006" xmlns:mv="urn:schemas-microsoft-com:mac:vml" xmlns:p="http://schemas.openxmlformats.org/presentationml/2006/main" xmlns:c="http://schemas.openxmlformats.org/drawingml/2006/chart" xmlns:dgm="http://schemas.openxmlformats.org/drawingml/2006/diagram" xmlns:o="urn:schemas-microsoft-com:office:office" xmlns:v="urn:schemas-microsoft-com:vml" xmlns:pvml="urn:schemas-microsoft-com:office:powerpoint" xmlns:com="http://schemas.openxmlformats.org/drawingml/2006/compatibility" xmlns:p14="http://schemas.microsoft.com/office/powerpoint/2010/main" xmlns:p15="http://schemas.microsoft.com/office/powerpoint/2012/main" xmlns:ahyp="http://schemas.microsoft.com/office/drawing/2018/hyperlinkcolor">
+  <p:cSld>
+    <p:spTree>
+      <p:nvGrpSpPr>
+        <p:cNvPr id="191" name="Shape 191"/>
+        <p:cNvGrpSpPr/>
+        <p:nvPr/>
+      </p:nvGrpSpPr>
+      <p:grpSpPr>
+        <a:xfrm>
+          <a:off x="0" y="0"/>
+          <a:ext cx="0" cy="0"/>
+          <a:chOff x="0" y="0"/>
+          <a:chExt cx="0" cy="0"/>
+        </a:xfrm>
+      </p:grpSpPr>
+      <p:sp>
+        <p:nvSpPr>
+          <p:cNvPr id="192" name="Google Shape;192;p33"/>
+          <p:cNvSpPr txBox="1"/>
           <p:nvPr>
             <p:ph type="ctrTitle"/>
           </p:nvPr>
@@ -19776,7 +21109,7 @@
       </p:sp>
       <p:sp>
         <p:nvSpPr>
-          <p:cNvPr id="185" name="Google Shape;185;p32"/>
+          <p:cNvPr id="193" name="Google Shape;193;p33"/>
           <p:cNvSpPr txBox="1"/>
           <p:nvPr>
             <p:ph idx="1" type="subTitle"/>
@@ -19830,561 +21163,7 @@
 </p:sld>
 </file>
 
-<file path=ppt/slides/slide9.xml><?xml version="1.0" encoding="utf-8"?>
-<p:sld xmlns:a="http://schemas.openxmlformats.org/drawingml/2006/main" xmlns:r="http://schemas.openxmlformats.org/officeDocument/2006/relationships" xmlns:mc="http://schemas.openxmlformats.org/markup-compatibility/2006" xmlns:mv="urn:schemas-microsoft-com:mac:vml" xmlns:p="http://schemas.openxmlformats.org/presentationml/2006/main" xmlns:c="http://schemas.openxmlformats.org/drawingml/2006/chart" xmlns:dgm="http://schemas.openxmlformats.org/drawingml/2006/diagram" xmlns:o="urn:schemas-microsoft-com:office:office" xmlns:v="urn:schemas-microsoft-com:vml" xmlns:pvml="urn:schemas-microsoft-com:office:powerpoint" xmlns:com="http://schemas.openxmlformats.org/drawingml/2006/compatibility" xmlns:p14="http://schemas.microsoft.com/office/powerpoint/2010/main" xmlns:p15="http://schemas.microsoft.com/office/powerpoint/2012/main" xmlns:ahyp="http://schemas.microsoft.com/office/drawing/2018/hyperlinkcolor">
-  <p:cSld>
-    <p:spTree>
-      <p:nvGrpSpPr>
-        <p:cNvPr id="189" name="Shape 189"/>
-        <p:cNvGrpSpPr/>
-        <p:nvPr/>
-      </p:nvGrpSpPr>
-      <p:grpSpPr>
-        <a:xfrm>
-          <a:off x="0" y="0"/>
-          <a:ext cx="0" cy="0"/>
-          <a:chOff x="0" y="0"/>
-          <a:chExt cx="0" cy="0"/>
-        </a:xfrm>
-      </p:grpSpPr>
-      <p:sp>
-        <p:nvSpPr>
-          <p:cNvPr id="190" name="Google Shape;190;p33"/>
-          <p:cNvSpPr txBox="1"/>
-          <p:nvPr/>
-        </p:nvSpPr>
-        <p:spPr>
-          <a:xfrm>
-            <a:off x="0" y="-14287"/>
-            <a:ext cx="9144000" cy="642938"/>
-          </a:xfrm>
-          <a:prstGeom prst="rect">
-            <a:avLst/>
-          </a:prstGeom>
-          <a:noFill/>
-          <a:ln>
-            <a:noFill/>
-          </a:ln>
-        </p:spPr>
-        <p:txBody>
-          <a:bodyPr anchorCtr="0" anchor="b" bIns="34275" lIns="68575" spcFirstLastPara="1" rIns="68575" wrap="square" tIns="34275">
-            <a:noAutofit/>
-          </a:bodyPr>
-          <a:lstStyle/>
-          <a:p>
-            <a:pPr indent="0" lvl="0" marL="0" marR="0" rtl="0" algn="l">
-              <a:lnSpc>
-                <a:spcPct val="90000"/>
-              </a:lnSpc>
-              <a:spcBef>
-                <a:spcPts val="0"/>
-              </a:spcBef>
-              <a:spcAft>
-                <a:spcPts val="0"/>
-              </a:spcAft>
-              <a:buClr>
-                <a:schemeClr val="dk1"/>
-              </a:buClr>
-              <a:buSzPts val="2700"/>
-              <a:buFont typeface="Calibri"/>
-              <a:buNone/>
-            </a:pPr>
-            <a:r>
-              <a:rPr b="0" i="0" lang="en" sz="2700" u="none" cap="none" strike="noStrike">
-                <a:solidFill>
-                  <a:schemeClr val="dk1"/>
-                </a:solidFill>
-                <a:latin typeface="Calibri"/>
-                <a:ea typeface="Calibri"/>
-                <a:cs typeface="Calibri"/>
-                <a:sym typeface="Calibri"/>
-              </a:rPr>
-              <a:t>Approximation</a:t>
-            </a:r>
-            <a:endParaRPr sz="1100"/>
-          </a:p>
-        </p:txBody>
-      </p:sp>
-      <p:cxnSp>
-        <p:nvCxnSpPr>
-          <p:cNvPr id="191" name="Google Shape;191;p33"/>
-          <p:cNvCxnSpPr/>
-          <p:nvPr/>
-        </p:nvCxnSpPr>
-        <p:spPr>
-          <a:xfrm>
-            <a:off x="0" y="628650"/>
-            <a:ext cx="9144000" cy="0"/>
-          </a:xfrm>
-          <a:prstGeom prst="straightConnector1">
-            <a:avLst/>
-          </a:prstGeom>
-          <a:noFill/>
-          <a:ln cap="flat" cmpd="sng" w="47625">
-            <a:solidFill>
-              <a:schemeClr val="accent1"/>
-            </a:solidFill>
-            <a:prstDash val="solid"/>
-            <a:miter lim="800000"/>
-            <a:headEnd len="sm" w="sm" type="none"/>
-            <a:tailEnd len="sm" w="sm" type="none"/>
-          </a:ln>
-        </p:spPr>
-      </p:cxnSp>
-      <p:sp>
-        <p:nvSpPr>
-          <p:cNvPr id="192" name="Google Shape;192;p33"/>
-          <p:cNvSpPr txBox="1"/>
-          <p:nvPr>
-            <p:ph idx="12" type="sldNum"/>
-          </p:nvPr>
-        </p:nvSpPr>
-        <p:spPr>
-          <a:xfrm>
-            <a:off x="8550233" y="4767263"/>
-            <a:ext cx="469213" cy="273844"/>
-          </a:xfrm>
-          <a:prstGeom prst="rect">
-            <a:avLst/>
-          </a:prstGeom>
-          <a:noFill/>
-          <a:ln>
-            <a:noFill/>
-          </a:ln>
-        </p:spPr>
-        <p:txBody>
-          <a:bodyPr anchorCtr="0" anchor="ctr" bIns="34275" lIns="68575" spcFirstLastPara="1" rIns="68575" wrap="square" tIns="34275">
-            <a:noAutofit/>
-          </a:bodyPr>
-          <a:lstStyle/>
-          <a:p>
-            <a:pPr indent="0" lvl="0" marL="0" rtl="0" algn="r">
-              <a:spcBef>
-                <a:spcPts val="0"/>
-              </a:spcBef>
-              <a:spcAft>
-                <a:spcPts val="0"/>
-              </a:spcAft>
-              <a:buNone/>
-            </a:pPr>
-            <a:fld id="{00000000-1234-1234-1234-123412341234}" type="slidenum">
-              <a:rPr lang="en"/>
-              <a:t>‹#›</a:t>
-            </a:fld>
-            <a:endParaRPr/>
-          </a:p>
-        </p:txBody>
-      </p:sp>
-      <p:sp>
-        <p:nvSpPr>
-          <p:cNvPr id="193" name="Google Shape;193;p33"/>
-          <p:cNvSpPr txBox="1"/>
-          <p:nvPr/>
-        </p:nvSpPr>
-        <p:spPr>
-          <a:xfrm>
-            <a:off x="335585" y="726495"/>
-            <a:ext cx="8044954" cy="1931941"/>
-          </a:xfrm>
-          <a:prstGeom prst="rect">
-            <a:avLst/>
-          </a:prstGeom>
-          <a:noFill/>
-          <a:ln>
-            <a:noFill/>
-          </a:ln>
-        </p:spPr>
-        <p:txBody>
-          <a:bodyPr anchorCtr="0" anchor="t" bIns="34275" lIns="68575" spcFirstLastPara="1" rIns="68575" wrap="square" tIns="34275">
-            <a:noAutofit/>
-          </a:bodyPr>
-          <a:lstStyle/>
-          <a:p>
-            <a:pPr indent="-254000" lvl="0" marL="254000" marR="0" rtl="0" algn="l">
-              <a:lnSpc>
-                <a:spcPct val="90000"/>
-              </a:lnSpc>
-              <a:spcBef>
-                <a:spcPts val="0"/>
-              </a:spcBef>
-              <a:spcAft>
-                <a:spcPts val="0"/>
-              </a:spcAft>
-              <a:buClr>
-                <a:schemeClr val="dk1"/>
-              </a:buClr>
-              <a:buSzPts val="1800"/>
-              <a:buFont typeface="Arial"/>
-              <a:buChar char="•"/>
-            </a:pPr>
-            <a:r>
-              <a:rPr b="0" i="0" lang="en" sz="1800" u="none" cap="none" strike="noStrike">
-                <a:solidFill>
-                  <a:schemeClr val="dk1"/>
-                </a:solidFill>
-                <a:latin typeface="Calibri"/>
-                <a:ea typeface="Calibri"/>
-                <a:cs typeface="Calibri"/>
-                <a:sym typeface="Calibri"/>
-              </a:rPr>
-              <a:t>Sketch algorithm choices (anytime algorithms, greedy algorithms, stochastic algorithms).</a:t>
-            </a:r>
-            <a:endParaRPr sz="1100"/>
-          </a:p>
-          <a:p>
-            <a:pPr indent="-254000" lvl="0" marL="254000" marR="0" rtl="0" algn="l">
-              <a:lnSpc>
-                <a:spcPct val="90000"/>
-              </a:lnSpc>
-              <a:spcBef>
-                <a:spcPts val="800"/>
-              </a:spcBef>
-              <a:spcAft>
-                <a:spcPts val="0"/>
-              </a:spcAft>
-              <a:buClr>
-                <a:schemeClr val="dk1"/>
-              </a:buClr>
-              <a:buSzPts val="1800"/>
-              <a:buFont typeface="Arial"/>
-              <a:buChar char="•"/>
-            </a:pPr>
-            <a:r>
-              <a:rPr b="0" i="0" lang="en" sz="1800" u="none" cap="none" strike="noStrike">
-                <a:solidFill>
-                  <a:schemeClr val="dk1"/>
-                </a:solidFill>
-                <a:latin typeface="Calibri"/>
-                <a:ea typeface="Calibri"/>
-                <a:cs typeface="Calibri"/>
-                <a:sym typeface="Calibri"/>
-              </a:rPr>
-              <a:t>Bounds on its performance</a:t>
-            </a:r>
-            <a:endParaRPr sz="1100"/>
-          </a:p>
-          <a:p>
-            <a:pPr indent="-254000" lvl="0" marL="254000" marR="0" rtl="0" algn="l">
-              <a:lnSpc>
-                <a:spcPct val="90000"/>
-              </a:lnSpc>
-              <a:spcBef>
-                <a:spcPts val="800"/>
-              </a:spcBef>
-              <a:spcAft>
-                <a:spcPts val="0"/>
-              </a:spcAft>
-              <a:buClr>
-                <a:schemeClr val="dk1"/>
-              </a:buClr>
-              <a:buSzPts val="1800"/>
-              <a:buFont typeface="Arial"/>
-              <a:buChar char="•"/>
-            </a:pPr>
-            <a:r>
-              <a:rPr b="0" i="0" lang="en" sz="1800" u="none" cap="none" strike="noStrike">
-                <a:solidFill>
-                  <a:schemeClr val="dk1"/>
-                </a:solidFill>
-                <a:latin typeface="Calibri"/>
-                <a:ea typeface="Calibri"/>
-                <a:cs typeface="Calibri"/>
-                <a:sym typeface="Calibri"/>
-              </a:rPr>
-              <a:t>Plot comparing difference in run time and solution quality using your test cases.</a:t>
-            </a:r>
-            <a:endParaRPr sz="1100"/>
-          </a:p>
-        </p:txBody>
-      </p:sp>
-    </p:spTree>
-  </p:cSld>
-  <p:clrMapOvr>
-    <a:masterClrMapping/>
-  </p:clrMapOvr>
-</p:sld>
-</file>
-
 <file path=ppt/theme/theme1.xml><?xml version="1.0" encoding="utf-8"?>
-<a:theme xmlns:a="http://schemas.openxmlformats.org/drawingml/2006/main" xmlns:r="http://schemas.openxmlformats.org/officeDocument/2006/relationships" name="Office Theme">
-  <a:themeElements>
-    <a:clrScheme name="Office">
-      <a:dk1>
-        <a:srgbClr val="000000"/>
-      </a:dk1>
-      <a:lt1>
-        <a:srgbClr val="FFFFFF"/>
-      </a:lt1>
-      <a:dk2>
-        <a:srgbClr val="44546A"/>
-      </a:dk2>
-      <a:lt2>
-        <a:srgbClr val="E7E6E6"/>
-      </a:lt2>
-      <a:accent1>
-        <a:srgbClr val="4472C4"/>
-      </a:accent1>
-      <a:accent2>
-        <a:srgbClr val="ED7D31"/>
-      </a:accent2>
-      <a:accent3>
-        <a:srgbClr val="A5A5A5"/>
-      </a:accent3>
-      <a:accent4>
-        <a:srgbClr val="FFC000"/>
-      </a:accent4>
-      <a:accent5>
-        <a:srgbClr val="5B9BD5"/>
-      </a:accent5>
-      <a:accent6>
-        <a:srgbClr val="70AD47"/>
-      </a:accent6>
-      <a:hlink>
-        <a:srgbClr val="0563C1"/>
-      </a:hlink>
-      <a:folHlink>
-        <a:srgbClr val="954F72"/>
-      </a:folHlink>
-    </a:clrScheme>
-    <a:fontScheme name="Office">
-      <a:majorFont>
-        <a:latin typeface="Arial"/>
-        <a:ea typeface=""/>
-        <a:cs typeface=""/>
-        <a:font script="Jpan" typeface="ＭＳ Ｐゴシック"/>
-        <a:font script="Hang" typeface="맑은 고딕"/>
-        <a:font script="Hans" typeface="宋体"/>
-        <a:font script="Hant" typeface="新細明體"/>
-        <a:font script="Arab" typeface="Times New Roman"/>
-        <a:font script="Hebr" typeface="Times New Roman"/>
-        <a:font script="Thai" typeface="Angsana New"/>
-        <a:font script="Ethi" typeface="Nyala"/>
-        <a:font script="Beng" typeface="Vrinda"/>
-        <a:font script="Gujr" typeface="Shruti"/>
-        <a:font script="Khmr" typeface="MoolBoran"/>
-        <a:font script="Knda" typeface="Tunga"/>
-        <a:font script="Guru" typeface="Raavi"/>
-        <a:font script="Cans" typeface="Euphemia"/>
-        <a:font script="Cher" typeface="Plantagenet Cherokee"/>
-        <a:font script="Yiii" typeface="Microsoft Yi Baiti"/>
-        <a:font script="Tibt" typeface="Microsoft Himalaya"/>
-        <a:font script="Thaa" typeface="MV Boli"/>
-        <a:font script="Deva" typeface="Mangal"/>
-        <a:font script="Telu" typeface="Gautami"/>
-        <a:font script="Taml" typeface="Latha"/>
-        <a:font script="Syrc" typeface="Estrangelo Edessa"/>
-        <a:font script="Orya" typeface="Kalinga"/>
-        <a:font script="Mlym" typeface="Kartika"/>
-        <a:font script="Laoo" typeface="DokChampa"/>
-        <a:font script="Sinh" typeface="Iskoola Pota"/>
-        <a:font script="Mong" typeface="Mongolian Baiti"/>
-        <a:font script="Viet" typeface="Times New Roman"/>
-        <a:font script="Uigh" typeface="Microsoft Uighur"/>
-        <a:font script="Geor" typeface="Sylfaen"/>
-      </a:majorFont>
-      <a:minorFont>
-        <a:latin typeface="Arial"/>
-        <a:ea typeface=""/>
-        <a:cs typeface=""/>
-        <a:font script="Jpan" typeface="ＭＳ Ｐゴシック"/>
-        <a:font script="Hang" typeface="맑은 고딕"/>
-        <a:font script="Hans" typeface="宋体"/>
-        <a:font script="Hant" typeface="新細明體"/>
-        <a:font script="Arab" typeface="Arial"/>
-        <a:font script="Hebr" typeface="Arial"/>
-        <a:font script="Thai" typeface="Cordia New"/>
-        <a:font script="Ethi" typeface="Nyala"/>
-        <a:font script="Beng" typeface="Vrinda"/>
-        <a:font script="Gujr" typeface="Shruti"/>
-        <a:font script="Khmr" typeface="DaunPenh"/>
-        <a:font script="Knda" typeface="Tunga"/>
-        <a:font script="Guru" typeface="Raavi"/>
-        <a:font script="Cans" typeface="Euphemia"/>
-        <a:font script="Cher" typeface="Plantagenet Cherokee"/>
-        <a:font script="Yiii" typeface="Microsoft Yi Baiti"/>
-        <a:font script="Tibt" typeface="Microsoft Himalaya"/>
-        <a:font script="Thaa" typeface="MV Boli"/>
-        <a:font script="Deva" typeface="Mangal"/>
-        <a:font script="Telu" typeface="Gautami"/>
-        <a:font script="Taml" typeface="Latha"/>
-        <a:font script="Syrc" typeface="Estrangelo Edessa"/>
-        <a:font script="Orya" typeface="Kalinga"/>
-        <a:font script="Mlym" typeface="Kartika"/>
-        <a:font script="Laoo" typeface="DokChampa"/>
-        <a:font script="Sinh" typeface="Iskoola Pota"/>
-        <a:font script="Mong" typeface="Mongolian Baiti"/>
-        <a:font script="Viet" typeface="Arial"/>
-        <a:font script="Uigh" typeface="Microsoft Uighur"/>
-        <a:font script="Geor" typeface="Sylfaen"/>
-      </a:minorFont>
-    </a:fontScheme>
-    <a:fmtScheme name="Office">
-      <a:fillStyleLst>
-        <a:solidFill>
-          <a:schemeClr val="phClr"/>
-        </a:solidFill>
-        <a:gradFill rotWithShape="1">
-          <a:gsLst>
-            <a:gs pos="0">
-              <a:schemeClr val="phClr">
-                <a:tint val="50000"/>
-                <a:satMod val="300000"/>
-              </a:schemeClr>
-            </a:gs>
-            <a:gs pos="35000">
-              <a:schemeClr val="phClr">
-                <a:tint val="37000"/>
-                <a:satMod val="300000"/>
-              </a:schemeClr>
-            </a:gs>
-            <a:gs pos="100000">
-              <a:schemeClr val="phClr">
-                <a:tint val="15000"/>
-                <a:satMod val="350000"/>
-              </a:schemeClr>
-            </a:gs>
-          </a:gsLst>
-          <a:lin ang="16200000" scaled="1"/>
-        </a:gradFill>
-        <a:gradFill rotWithShape="1">
-          <a:gsLst>
-            <a:gs pos="0">
-              <a:schemeClr val="phClr">
-                <a:tint val="100000"/>
-                <a:shade val="100000"/>
-                <a:satMod val="130000"/>
-              </a:schemeClr>
-            </a:gs>
-            <a:gs pos="100000">
-              <a:schemeClr val="phClr">
-                <a:tint val="50000"/>
-                <a:shade val="100000"/>
-                <a:satMod val="350000"/>
-              </a:schemeClr>
-            </a:gs>
-          </a:gsLst>
-          <a:lin ang="16200000" scaled="0"/>
-        </a:gradFill>
-      </a:fillStyleLst>
-      <a:lnStyleLst>
-        <a:ln w="9525" cap="flat" cmpd="sng" algn="ctr">
-          <a:solidFill>
-            <a:schemeClr val="phClr">
-              <a:shade val="95000"/>
-              <a:satMod val="105000"/>
-            </a:schemeClr>
-          </a:solidFill>
-          <a:prstDash val="solid"/>
-        </a:ln>
-        <a:ln w="25400" cap="flat" cmpd="sng" algn="ctr">
-          <a:solidFill>
-            <a:schemeClr val="phClr"/>
-          </a:solidFill>
-          <a:prstDash val="solid"/>
-        </a:ln>
-        <a:ln w="38100" cap="flat" cmpd="sng" algn="ctr">
-          <a:solidFill>
-            <a:schemeClr val="phClr"/>
-          </a:solidFill>
-          <a:prstDash val="solid"/>
-        </a:ln>
-      </a:lnStyleLst>
-      <a:effectStyleLst>
-        <a:effectStyle>
-          <a:effectLst>
-            <a:outerShdw blurRad="40000" dist="20000" dir="5400000" rotWithShape="0">
-              <a:srgbClr val="000000">
-                <a:alpha val="38000"/>
-              </a:srgbClr>
-            </a:outerShdw>
-          </a:effectLst>
-        </a:effectStyle>
-        <a:effectStyle>
-          <a:effectLst>
-            <a:outerShdw blurRad="40000" dist="23000" dir="5400000" rotWithShape="0">
-              <a:srgbClr val="000000">
-                <a:alpha val="35000"/>
-              </a:srgbClr>
-            </a:outerShdw>
-          </a:effectLst>
-        </a:effectStyle>
-        <a:effectStyle>
-          <a:effectLst>
-            <a:outerShdw blurRad="40000" dist="23000" dir="5400000" rotWithShape="0">
-              <a:srgbClr val="000000">
-                <a:alpha val="35000"/>
-              </a:srgbClr>
-            </a:outerShdw>
-          </a:effectLst>
-          <a:scene3d>
-            <a:camera prst="orthographicFront">
-              <a:rot lat="0" lon="0" rev="0"/>
-            </a:camera>
-            <a:lightRig rig="threePt" dir="t">
-              <a:rot lat="0" lon="0" rev="1200000"/>
-            </a:lightRig>
-          </a:scene3d>
-          <a:sp3d>
-            <a:bevelT w="63500" h="25400"/>
-          </a:sp3d>
-        </a:effectStyle>
-      </a:effectStyleLst>
-      <a:bgFillStyleLst>
-        <a:solidFill>
-          <a:schemeClr val="phClr"/>
-        </a:solidFill>
-        <a:gradFill rotWithShape="1">
-          <a:gsLst>
-            <a:gs pos="0">
-              <a:schemeClr val="phClr">
-                <a:tint val="40000"/>
-                <a:satMod val="350000"/>
-              </a:schemeClr>
-            </a:gs>
-            <a:gs pos="40000">
-              <a:schemeClr val="phClr">
-                <a:tint val="45000"/>
-                <a:shade val="99000"/>
-                <a:satMod val="350000"/>
-              </a:schemeClr>
-            </a:gs>
-            <a:gs pos="100000">
-              <a:schemeClr val="phClr">
-                <a:shade val="20000"/>
-                <a:satMod val="255000"/>
-              </a:schemeClr>
-            </a:gs>
-          </a:gsLst>
-          <a:path path="circle">
-            <a:fillToRect l="50000" t="-80000" r="50000" b="180000"/>
-          </a:path>
-        </a:gradFill>
-        <a:gradFill rotWithShape="1">
-          <a:gsLst>
-            <a:gs pos="0">
-              <a:schemeClr val="phClr">
-                <a:tint val="80000"/>
-                <a:satMod val="300000"/>
-              </a:schemeClr>
-            </a:gs>
-            <a:gs pos="100000">
-              <a:schemeClr val="phClr">
-                <a:shade val="30000"/>
-                <a:satMod val="200000"/>
-              </a:schemeClr>
-            </a:gs>
-          </a:gsLst>
-          <a:path path="circle">
-            <a:fillToRect l="50000" t="50000" r="50000" b="50000"/>
-          </a:path>
-        </a:gradFill>
-      </a:bgFillStyleLst>
-    </a:fmtScheme>
-  </a:themeElements>
-</a:theme>
-</file>
-
-<file path=ppt/theme/theme2.xml><?xml version="1.0" encoding="utf-8"?>
 <a:theme xmlns:a="http://schemas.openxmlformats.org/drawingml/2006/main" xmlns:r="http://schemas.openxmlformats.org/officeDocument/2006/relationships">
   <a:themeElements>
     <a:clrScheme name="Default">
@@ -20663,7 +21442,7 @@
 </a:theme>
 </file>
 
-<file path=ppt/theme/theme3.xml><?xml version="1.0" encoding="utf-8"?>
+<file path=ppt/theme/theme2.xml><?xml version="1.0" encoding="utf-8"?>
 <a:theme xmlns:a="http://schemas.openxmlformats.org/drawingml/2006/main" xmlns:r="http://schemas.openxmlformats.org/officeDocument/2006/relationships" name="Simple Light">
   <a:themeElements>
     <a:clrScheme name="Simple Light">
@@ -20940,4 +21719,283 @@
     </a:fmtScheme>
   </a:themeElements>
 </a:theme>
+</file>
+
+<file path=ppt/theme/theme3.xml><?xml version="1.0" encoding="utf-8"?>
+<a:theme xmlns:a="http://schemas.openxmlformats.org/drawingml/2006/main" xmlns:r="http://schemas.openxmlformats.org/officeDocument/2006/relationships" name="Office Theme">
+  <a:themeElements>
+    <a:clrScheme name="Office">
+      <a:dk1>
+        <a:srgbClr val="000000"/>
+      </a:dk1>
+      <a:lt1>
+        <a:srgbClr val="FFFFFF"/>
+      </a:lt1>
+      <a:dk2>
+        <a:srgbClr val="44546A"/>
+      </a:dk2>
+      <a:lt2>
+        <a:srgbClr val="E7E6E6"/>
+      </a:lt2>
+      <a:accent1>
+        <a:srgbClr val="4472C4"/>
+      </a:accent1>
+      <a:accent2>
+        <a:srgbClr val="ED7D31"/>
+      </a:accent2>
+      <a:accent3>
+        <a:srgbClr val="A5A5A5"/>
+      </a:accent3>
+      <a:accent4>
+        <a:srgbClr val="FFC000"/>
+      </a:accent4>
+      <a:accent5>
+        <a:srgbClr val="5B9BD5"/>
+      </a:accent5>
+      <a:accent6>
+        <a:srgbClr val="70AD47"/>
+      </a:accent6>
+      <a:hlink>
+        <a:srgbClr val="0563C1"/>
+      </a:hlink>
+      <a:folHlink>
+        <a:srgbClr val="954F72"/>
+      </a:folHlink>
+    </a:clrScheme>
+    <a:fontScheme name="Office">
+      <a:majorFont>
+        <a:latin typeface="Arial"/>
+        <a:ea typeface=""/>
+        <a:cs typeface=""/>
+        <a:font script="Jpan" typeface="ＭＳ Ｐゴシック"/>
+        <a:font script="Hang" typeface="맑은 고딕"/>
+        <a:font script="Hans" typeface="宋体"/>
+        <a:font script="Hant" typeface="新細明體"/>
+        <a:font script="Arab" typeface="Times New Roman"/>
+        <a:font script="Hebr" typeface="Times New Roman"/>
+        <a:font script="Thai" typeface="Angsana New"/>
+        <a:font script="Ethi" typeface="Nyala"/>
+        <a:font script="Beng" typeface="Vrinda"/>
+        <a:font script="Gujr" typeface="Shruti"/>
+        <a:font script="Khmr" typeface="MoolBoran"/>
+        <a:font script="Knda" typeface="Tunga"/>
+        <a:font script="Guru" typeface="Raavi"/>
+        <a:font script="Cans" typeface="Euphemia"/>
+        <a:font script="Cher" typeface="Plantagenet Cherokee"/>
+        <a:font script="Yiii" typeface="Microsoft Yi Baiti"/>
+        <a:font script="Tibt" typeface="Microsoft Himalaya"/>
+        <a:font script="Thaa" typeface="MV Boli"/>
+        <a:font script="Deva" typeface="Mangal"/>
+        <a:font script="Telu" typeface="Gautami"/>
+        <a:font script="Taml" typeface="Latha"/>
+        <a:font script="Syrc" typeface="Estrangelo Edessa"/>
+        <a:font script="Orya" typeface="Kalinga"/>
+        <a:font script="Mlym" typeface="Kartika"/>
+        <a:font script="Laoo" typeface="DokChampa"/>
+        <a:font script="Sinh" typeface="Iskoola Pota"/>
+        <a:font script="Mong" typeface="Mongolian Baiti"/>
+        <a:font script="Viet" typeface="Times New Roman"/>
+        <a:font script="Uigh" typeface="Microsoft Uighur"/>
+        <a:font script="Geor" typeface="Sylfaen"/>
+      </a:majorFont>
+      <a:minorFont>
+        <a:latin typeface="Arial"/>
+        <a:ea typeface=""/>
+        <a:cs typeface=""/>
+        <a:font script="Jpan" typeface="ＭＳ Ｐゴシック"/>
+        <a:font script="Hang" typeface="맑은 고딕"/>
+        <a:font script="Hans" typeface="宋体"/>
+        <a:font script="Hant" typeface="新細明體"/>
+        <a:font script="Arab" typeface="Arial"/>
+        <a:font script="Hebr" typeface="Arial"/>
+        <a:font script="Thai" typeface="Cordia New"/>
+        <a:font script="Ethi" typeface="Nyala"/>
+        <a:font script="Beng" typeface="Vrinda"/>
+        <a:font script="Gujr" typeface="Shruti"/>
+        <a:font script="Khmr" typeface="DaunPenh"/>
+        <a:font script="Knda" typeface="Tunga"/>
+        <a:font script="Guru" typeface="Raavi"/>
+        <a:font script="Cans" typeface="Euphemia"/>
+        <a:font script="Cher" typeface="Plantagenet Cherokee"/>
+        <a:font script="Yiii" typeface="Microsoft Yi Baiti"/>
+        <a:font script="Tibt" typeface="Microsoft Himalaya"/>
+        <a:font script="Thaa" typeface="MV Boli"/>
+        <a:font script="Deva" typeface="Mangal"/>
+        <a:font script="Telu" typeface="Gautami"/>
+        <a:font script="Taml" typeface="Latha"/>
+        <a:font script="Syrc" typeface="Estrangelo Edessa"/>
+        <a:font script="Orya" typeface="Kalinga"/>
+        <a:font script="Mlym" typeface="Kartika"/>
+        <a:font script="Laoo" typeface="DokChampa"/>
+        <a:font script="Sinh" typeface="Iskoola Pota"/>
+        <a:font script="Mong" typeface="Mongolian Baiti"/>
+        <a:font script="Viet" typeface="Arial"/>
+        <a:font script="Uigh" typeface="Microsoft Uighur"/>
+        <a:font script="Geor" typeface="Sylfaen"/>
+      </a:minorFont>
+    </a:fontScheme>
+    <a:fmtScheme name="Office">
+      <a:fillStyleLst>
+        <a:solidFill>
+          <a:schemeClr val="phClr"/>
+        </a:solidFill>
+        <a:gradFill rotWithShape="1">
+          <a:gsLst>
+            <a:gs pos="0">
+              <a:schemeClr val="phClr">
+                <a:tint val="50000"/>
+                <a:satMod val="300000"/>
+              </a:schemeClr>
+            </a:gs>
+            <a:gs pos="35000">
+              <a:schemeClr val="phClr">
+                <a:tint val="37000"/>
+                <a:satMod val="300000"/>
+              </a:schemeClr>
+            </a:gs>
+            <a:gs pos="100000">
+              <a:schemeClr val="phClr">
+                <a:tint val="15000"/>
+                <a:satMod val="350000"/>
+              </a:schemeClr>
+            </a:gs>
+          </a:gsLst>
+          <a:lin ang="16200000" scaled="1"/>
+        </a:gradFill>
+        <a:gradFill rotWithShape="1">
+          <a:gsLst>
+            <a:gs pos="0">
+              <a:schemeClr val="phClr">
+                <a:tint val="100000"/>
+                <a:shade val="100000"/>
+                <a:satMod val="130000"/>
+              </a:schemeClr>
+            </a:gs>
+            <a:gs pos="100000">
+              <a:schemeClr val="phClr">
+                <a:tint val="50000"/>
+                <a:shade val="100000"/>
+                <a:satMod val="350000"/>
+              </a:schemeClr>
+            </a:gs>
+          </a:gsLst>
+          <a:lin ang="16200000" scaled="0"/>
+        </a:gradFill>
+      </a:fillStyleLst>
+      <a:lnStyleLst>
+        <a:ln w="9525" cap="flat" cmpd="sng" algn="ctr">
+          <a:solidFill>
+            <a:schemeClr val="phClr">
+              <a:shade val="95000"/>
+              <a:satMod val="105000"/>
+            </a:schemeClr>
+          </a:solidFill>
+          <a:prstDash val="solid"/>
+        </a:ln>
+        <a:ln w="25400" cap="flat" cmpd="sng" algn="ctr">
+          <a:solidFill>
+            <a:schemeClr val="phClr"/>
+          </a:solidFill>
+          <a:prstDash val="solid"/>
+        </a:ln>
+        <a:ln w="38100" cap="flat" cmpd="sng" algn="ctr">
+          <a:solidFill>
+            <a:schemeClr val="phClr"/>
+          </a:solidFill>
+          <a:prstDash val="solid"/>
+        </a:ln>
+      </a:lnStyleLst>
+      <a:effectStyleLst>
+        <a:effectStyle>
+          <a:effectLst>
+            <a:outerShdw blurRad="40000" dist="20000" dir="5400000" rotWithShape="0">
+              <a:srgbClr val="000000">
+                <a:alpha val="38000"/>
+              </a:srgbClr>
+            </a:outerShdw>
+          </a:effectLst>
+        </a:effectStyle>
+        <a:effectStyle>
+          <a:effectLst>
+            <a:outerShdw blurRad="40000" dist="23000" dir="5400000" rotWithShape="0">
+              <a:srgbClr val="000000">
+                <a:alpha val="35000"/>
+              </a:srgbClr>
+            </a:outerShdw>
+          </a:effectLst>
+        </a:effectStyle>
+        <a:effectStyle>
+          <a:effectLst>
+            <a:outerShdw blurRad="40000" dist="23000" dir="5400000" rotWithShape="0">
+              <a:srgbClr val="000000">
+                <a:alpha val="35000"/>
+              </a:srgbClr>
+            </a:outerShdw>
+          </a:effectLst>
+          <a:scene3d>
+            <a:camera prst="orthographicFront">
+              <a:rot lat="0" lon="0" rev="0"/>
+            </a:camera>
+            <a:lightRig rig="threePt" dir="t">
+              <a:rot lat="0" lon="0" rev="1200000"/>
+            </a:lightRig>
+          </a:scene3d>
+          <a:sp3d>
+            <a:bevelT w="63500" h="25400"/>
+          </a:sp3d>
+        </a:effectStyle>
+      </a:effectStyleLst>
+      <a:bgFillStyleLst>
+        <a:solidFill>
+          <a:schemeClr val="phClr"/>
+        </a:solidFill>
+        <a:gradFill rotWithShape="1">
+          <a:gsLst>
+            <a:gs pos="0">
+              <a:schemeClr val="phClr">
+                <a:tint val="40000"/>
+                <a:satMod val="350000"/>
+              </a:schemeClr>
+            </a:gs>
+            <a:gs pos="40000">
+              <a:schemeClr val="phClr">
+                <a:tint val="45000"/>
+                <a:shade val="99000"/>
+                <a:satMod val="350000"/>
+              </a:schemeClr>
+            </a:gs>
+            <a:gs pos="100000">
+              <a:schemeClr val="phClr">
+                <a:shade val="20000"/>
+                <a:satMod val="255000"/>
+              </a:schemeClr>
+            </a:gs>
+          </a:gsLst>
+          <a:path path="circle">
+            <a:fillToRect l="50000" t="-80000" r="50000" b="180000"/>
+          </a:path>
+        </a:gradFill>
+        <a:gradFill rotWithShape="1">
+          <a:gsLst>
+            <a:gs pos="0">
+              <a:schemeClr val="phClr">
+                <a:tint val="80000"/>
+                <a:satMod val="300000"/>
+              </a:schemeClr>
+            </a:gs>
+            <a:gs pos="100000">
+              <a:schemeClr val="phClr">
+                <a:shade val="30000"/>
+                <a:satMod val="200000"/>
+              </a:schemeClr>
+            </a:gs>
+          </a:gsLst>
+          <a:path path="circle">
+            <a:fillToRect l="50000" t="50000" r="50000" b="50000"/>
+          </a:path>
+        </a:gradFill>
+      </a:bgFillStyleLst>
+    </a:fmtScheme>
+  </a:themeElements>
+</a:theme>
 </file>
--- a/NP-Complete Max Knapsack.pptx
+++ b/NP-Complete Max Knapsack.pptx
@@ -1109,7 +1109,7 @@
   <p:cSld>
     <p:spTree>
       <p:nvGrpSpPr>
-        <p:cNvPr id="220" name="Shape 220"/>
+        <p:cNvPr id="221" name="Shape 221"/>
         <p:cNvGrpSpPr/>
         <p:nvPr/>
       </p:nvGrpSpPr>
@@ -1123,7 +1123,7 @@
       </p:grpSpPr>
       <p:sp>
         <p:nvSpPr>
-          <p:cNvPr id="221" name="Google Shape;221;g126314b3164_0_34:notes"/>
+          <p:cNvPr id="222" name="Google Shape;222;g126314b3164_0_34:notes"/>
           <p:cNvSpPr txBox="1"/>
           <p:nvPr>
             <p:ph idx="1" type="body"/>
@@ -1162,7 +1162,7 @@
       </p:sp>
       <p:sp>
         <p:nvSpPr>
-          <p:cNvPr id="222" name="Google Shape;222;g126314b3164_0_34:notes"/>
+          <p:cNvPr id="223" name="Google Shape;223;g126314b3164_0_34:notes"/>
           <p:cNvSpPr/>
           <p:nvPr>
             <p:ph idx="2" type="sldImg"/>
@@ -17243,7 +17243,7 @@
           </a:bodyPr>
           <a:lstStyle/>
           <a:p>
-            <a:pPr indent="-285750" lvl="0" marL="254000" marR="0" rtl="0" algn="l">
+            <a:pPr indent="0" lvl="0" marL="457200" marR="0" rtl="0" algn="l">
               <a:lnSpc>
                 <a:spcPct val="90000"/>
               </a:lnSpc>
@@ -17253,12 +17253,7 @@
               <a:spcAft>
                 <a:spcPts val="0"/>
               </a:spcAft>
-              <a:buClr>
-                <a:schemeClr val="dk1"/>
-              </a:buClr>
-              <a:buSzPts val="2300"/>
-              <a:buFont typeface="Arial"/>
-              <a:buChar char="•"/>
+              <a:buNone/>
             </a:pPr>
             <a:r>
               <a:rPr lang="en" sz="1600"/>
@@ -17289,7 +17284,7 @@
             </a:r>
             <a:r>
               <a:rPr lang="en" sz="1600"/>
-              <a:t>1,...,k} where k equals the last element that doesn’t exceed the total weight. Given this we continue to pack items greedily as long as possible until we exceed the total weight. Once we exceed the total weight we construct a second solution S2 will contain the list of {k+1} which is the first item that did not fit in S1. </a:t>
+              <a:t>1,...,k} where k equals the last element that doesn’t exceed the total weight. Given this we continue to pack items greedily as long as possible until we exceed the total weight. Once no more items can be added into S1, we construct a second list S2 that adds the first element that did not fit into the first knapsack. Then S2 repeats what S1 did, greedily adding items until no more can fit into the bag.</a:t>
             </a:r>
             <a:endParaRPr sz="1600"/>
           </a:p>
@@ -17334,7 +17329,7 @@
             </a:r>
             <a:r>
               <a:rPr lang="en" sz="1600"/>
-              <a:t> bound for the Linear Programming Relaxation Problem, one of the sets (S1 or S2) must have at least (max)/2. Therefore, we return whichever of S1 and S2 that contains better value to obtain a valid ½-approximation.</a:t>
+              <a:t> bound for the Linear Programming Relaxation Problem, one of the sets (S1 or S2) must have at least (max_weight)/2. Therefore, we return whichever of S1 and S2 that contains better value to obtain a valid ½-approximation.</a:t>
             </a:r>
             <a:endParaRPr sz="1600"/>
           </a:p>
@@ -17681,8 +17676,8 @@
         </p:nvSpPr>
         <p:spPr>
           <a:xfrm>
-            <a:off x="2773375" y="1273500"/>
-            <a:ext cx="3417300" cy="1477500"/>
+            <a:off x="335575" y="2681400"/>
+            <a:ext cx="3991800" cy="1754700"/>
           </a:xfrm>
           <a:prstGeom prst="rect">
             <a:avLst/>
@@ -17705,21 +17700,152 @@
               <a:spcAft>
                 <a:spcPts val="0"/>
               </a:spcAft>
-              <a:buClr>
-                <a:schemeClr val="dk1"/>
-              </a:buClr>
-              <a:buSzPts val="1100"/>
-              <a:buFont typeface="Arial"/>
               <a:buNone/>
             </a:pPr>
             <a:r>
-              <a:rPr lang="en">
+              <a:rPr lang="en" sz="1200">
                 <a:latin typeface="Calibri"/>
                 <a:ea typeface="Calibri"/>
                 <a:cs typeface="Calibri"/>
                 <a:sym typeface="Calibri"/>
               </a:rPr>
-              <a:t>300</a:t>
+              <a:t>Optimal Output: [[ruby,300,300,1]]</a:t>
+            </a:r>
+            <a:endParaRPr sz="1200">
+              <a:latin typeface="Calibri"/>
+              <a:ea typeface="Calibri"/>
+              <a:cs typeface="Calibri"/>
+              <a:sym typeface="Calibri"/>
+            </a:endParaRPr>
+          </a:p>
+          <a:p>
+            <a:pPr indent="0" lvl="0" marL="0" rtl="0" algn="l">
+              <a:spcBef>
+                <a:spcPts val="0"/>
+              </a:spcBef>
+              <a:spcAft>
+                <a:spcPts val="0"/>
+              </a:spcAft>
+              <a:buNone/>
+            </a:pPr>
+            <a:r>
+              <a:rPr lang="en" sz="1200">
+                <a:latin typeface="Calibri"/>
+                <a:ea typeface="Calibri"/>
+                <a:cs typeface="Calibri"/>
+                <a:sym typeface="Calibri"/>
+              </a:rPr>
+              <a:t>		        300.00</a:t>
+            </a:r>
+            <a:endParaRPr sz="1200">
+              <a:latin typeface="Calibri"/>
+              <a:ea typeface="Calibri"/>
+              <a:cs typeface="Calibri"/>
+              <a:sym typeface="Calibri"/>
+            </a:endParaRPr>
+          </a:p>
+          <a:p>
+            <a:pPr indent="0" lvl="0" marL="0" rtl="0" algn="l">
+              <a:spcBef>
+                <a:spcPts val="0"/>
+              </a:spcBef>
+              <a:spcAft>
+                <a:spcPts val="0"/>
+              </a:spcAft>
+              <a:buNone/>
+            </a:pPr>
+            <a:r>
+              <a:t/>
+            </a:r>
+            <a:endParaRPr sz="1200">
+              <a:latin typeface="Calibri"/>
+              <a:ea typeface="Calibri"/>
+              <a:cs typeface="Calibri"/>
+              <a:sym typeface="Calibri"/>
+            </a:endParaRPr>
+          </a:p>
+          <a:p>
+            <a:pPr indent="0" lvl="0" marL="0" rtl="0" algn="l">
+              <a:spcBef>
+                <a:spcPts val="0"/>
+              </a:spcBef>
+              <a:spcAft>
+                <a:spcPts val="0"/>
+              </a:spcAft>
+              <a:buNone/>
+            </a:pPr>
+            <a:r>
+              <a:rPr lang="en" sz="1200">
+                <a:latin typeface="Calibri"/>
+                <a:ea typeface="Calibri"/>
+                <a:cs typeface="Calibri"/>
+                <a:sym typeface="Calibri"/>
+              </a:rPr>
+              <a:t>Output </a:t>
+            </a:r>
+            <a:r>
+              <a:rPr lang="en" sz="1200">
+                <a:latin typeface="Calibri"/>
+                <a:ea typeface="Calibri"/>
+                <a:cs typeface="Calibri"/>
+                <a:sym typeface="Calibri"/>
+              </a:rPr>
+              <a:t>Received</a:t>
+            </a:r>
+            <a:r>
+              <a:rPr lang="en" sz="1200">
+                <a:latin typeface="Calibri"/>
+                <a:ea typeface="Calibri"/>
+                <a:cs typeface="Calibri"/>
+                <a:sym typeface="Calibri"/>
+              </a:rPr>
+              <a:t>: [[diamond, 280, 200, 2]]</a:t>
+            </a:r>
+            <a:endParaRPr sz="1200">
+              <a:latin typeface="Calibri"/>
+              <a:ea typeface="Calibri"/>
+              <a:cs typeface="Calibri"/>
+              <a:sym typeface="Calibri"/>
+            </a:endParaRPr>
+          </a:p>
+          <a:p>
+            <a:pPr indent="0" lvl="0" marL="0" rtl="0" algn="l">
+              <a:spcBef>
+                <a:spcPts val="0"/>
+              </a:spcBef>
+              <a:spcAft>
+                <a:spcPts val="0"/>
+              </a:spcAft>
+              <a:buNone/>
+            </a:pPr>
+            <a:r>
+              <a:rPr lang="en" sz="1200">
+                <a:latin typeface="Calibri"/>
+                <a:ea typeface="Calibri"/>
+                <a:cs typeface="Calibri"/>
+                <a:sym typeface="Calibri"/>
+              </a:rPr>
+              <a:t>                               280.00</a:t>
+            </a:r>
+            <a:endParaRPr sz="1200">
+              <a:latin typeface="Calibri"/>
+              <a:ea typeface="Calibri"/>
+              <a:cs typeface="Calibri"/>
+              <a:sym typeface="Calibri"/>
+            </a:endParaRPr>
+          </a:p>
+          <a:p>
+            <a:pPr indent="0" lvl="0" marL="0" rtl="0" algn="l">
+              <a:spcBef>
+                <a:spcPts val="0"/>
+              </a:spcBef>
+              <a:spcAft>
+                <a:spcPts val="0"/>
+              </a:spcAft>
+              <a:buNone/>
+            </a:pPr>
+            <a:r>
+              <a:t/>
             </a:r>
             <a:endParaRPr>
               <a:latin typeface="Calibri"/>
@@ -17736,114 +17862,10 @@
               <a:spcAft>
                 <a:spcPts val="0"/>
               </a:spcAft>
-              <a:buClr>
-                <a:schemeClr val="dk1"/>
-              </a:buClr>
-              <a:buSzPts val="1100"/>
-              <a:buFont typeface="Arial"/>
               <a:buNone/>
             </a:pPr>
             <a:r>
-              <a:rPr lang="en">
-                <a:latin typeface="Calibri"/>
-                <a:ea typeface="Calibri"/>
-                <a:cs typeface="Calibri"/>
-                <a:sym typeface="Calibri"/>
-              </a:rPr>
-              <a:t>3</a:t>
-            </a:r>
-            <a:endParaRPr>
-              <a:latin typeface="Calibri"/>
-              <a:ea typeface="Calibri"/>
-              <a:cs typeface="Calibri"/>
-              <a:sym typeface="Calibri"/>
-            </a:endParaRPr>
-          </a:p>
-          <a:p>
-            <a:pPr indent="0" lvl="0" marL="0" rtl="0" algn="l">
-              <a:spcBef>
-                <a:spcPts val="0"/>
-              </a:spcBef>
-              <a:spcAft>
-                <a:spcPts val="0"/>
-              </a:spcAft>
-              <a:buClr>
-                <a:schemeClr val="dk1"/>
-              </a:buClr>
-              <a:buSzPts val="1100"/>
-              <a:buFont typeface="Arial"/>
-              <a:buNone/>
-            </a:pPr>
-            <a:r>
-              <a:rPr lang="en">
-                <a:latin typeface="Calibri"/>
-                <a:ea typeface="Calibri"/>
-                <a:cs typeface="Calibri"/>
-                <a:sym typeface="Calibri"/>
-              </a:rPr>
-              <a:t>ring 280 200 2</a:t>
-            </a:r>
-            <a:endParaRPr>
-              <a:latin typeface="Calibri"/>
-              <a:ea typeface="Calibri"/>
-              <a:cs typeface="Calibri"/>
-              <a:sym typeface="Calibri"/>
-            </a:endParaRPr>
-          </a:p>
-          <a:p>
-            <a:pPr indent="0" lvl="0" marL="0" rtl="0" algn="l">
-              <a:spcBef>
-                <a:spcPts val="0"/>
-              </a:spcBef>
-              <a:spcAft>
-                <a:spcPts val="0"/>
-              </a:spcAft>
-              <a:buClr>
-                <a:schemeClr val="dk1"/>
-              </a:buClr>
-              <a:buSzPts val="1100"/>
-              <a:buFont typeface="Arial"/>
-              <a:buNone/>
-            </a:pPr>
-            <a:r>
-              <a:rPr lang="en">
-                <a:latin typeface="Calibri"/>
-                <a:ea typeface="Calibri"/>
-                <a:cs typeface="Calibri"/>
-                <a:sym typeface="Calibri"/>
-              </a:rPr>
-              <a:t>diamond 280 200 2</a:t>
-            </a:r>
-            <a:endParaRPr>
-              <a:latin typeface="Calibri"/>
-              <a:ea typeface="Calibri"/>
-              <a:cs typeface="Calibri"/>
-              <a:sym typeface="Calibri"/>
-            </a:endParaRPr>
-          </a:p>
-          <a:p>
-            <a:pPr indent="0" lvl="0" marL="0" rtl="0" algn="l">
-              <a:spcBef>
-                <a:spcPts val="0"/>
-              </a:spcBef>
-              <a:spcAft>
-                <a:spcPts val="0"/>
-              </a:spcAft>
-              <a:buClr>
-                <a:schemeClr val="dk1"/>
-              </a:buClr>
-              <a:buSzPts val="1100"/>
-              <a:buFont typeface="Arial"/>
-              <a:buNone/>
-            </a:pPr>
-            <a:r>
-              <a:rPr lang="en">
-                <a:latin typeface="Calibri"/>
-                <a:ea typeface="Calibri"/>
-                <a:cs typeface="Calibri"/>
-                <a:sym typeface="Calibri"/>
-              </a:rPr>
-              <a:t>ruby 300 300 1</a:t>
+              <a:t/>
             </a:r>
             <a:endParaRPr>
               <a:latin typeface="Calibri"/>
@@ -17882,8 +17904,8 @@
         </p:nvSpPr>
         <p:spPr>
           <a:xfrm>
-            <a:off x="580150" y="2681400"/>
-            <a:ext cx="3991800" cy="2124000"/>
+            <a:off x="3678975" y="2681400"/>
+            <a:ext cx="5299200" cy="2247300"/>
           </a:xfrm>
           <a:prstGeom prst="rect">
             <a:avLst/>
@@ -17906,18 +17928,106 @@
               <a:spcAft>
                 <a:spcPts val="0"/>
               </a:spcAft>
+              <a:buClr>
+                <a:schemeClr val="dk1"/>
+              </a:buClr>
+              <a:buSzPts val="1100"/>
+              <a:buFont typeface="Arial"/>
               <a:buNone/>
             </a:pPr>
             <a:r>
-              <a:rPr lang="en">
+              <a:rPr lang="en" sz="1200">
+                <a:solidFill>
+                  <a:schemeClr val="dk1"/>
+                </a:solidFill>
                 <a:latin typeface="Calibri"/>
                 <a:ea typeface="Calibri"/>
                 <a:cs typeface="Calibri"/>
                 <a:sym typeface="Calibri"/>
               </a:rPr>
-              <a:t>We expected to get an output of one ruby but instead get a output of one diamond.</a:t>
+              <a:t>Here w</a:t>
             </a:r>
-            <a:endParaRPr>
+            <a:r>
+              <a:rPr lang="en" sz="1200">
+                <a:solidFill>
+                  <a:schemeClr val="dk1"/>
+                </a:solidFill>
+                <a:latin typeface="Calibri"/>
+                <a:ea typeface="Calibri"/>
+                <a:cs typeface="Calibri"/>
+                <a:sym typeface="Calibri"/>
+              </a:rPr>
+              <a:t>e would have expected to get an output of one ruby but instead get a output of one diamond.</a:t>
+            </a:r>
+            <a:endParaRPr sz="1200">
+              <a:solidFill>
+                <a:schemeClr val="dk1"/>
+              </a:solidFill>
+              <a:latin typeface="Calibri"/>
+              <a:ea typeface="Calibri"/>
+              <a:cs typeface="Calibri"/>
+              <a:sym typeface="Calibri"/>
+            </a:endParaRPr>
+          </a:p>
+          <a:p>
+            <a:pPr indent="0" lvl="0" marL="0" rtl="0" algn="l">
+              <a:spcBef>
+                <a:spcPts val="0"/>
+              </a:spcBef>
+              <a:spcAft>
+                <a:spcPts val="0"/>
+              </a:spcAft>
+              <a:buClr>
+                <a:schemeClr val="dk1"/>
+              </a:buClr>
+              <a:buSzPts val="1100"/>
+              <a:buFont typeface="Arial"/>
+              <a:buNone/>
+            </a:pPr>
+            <a:r>
+              <a:t/>
+            </a:r>
+            <a:endParaRPr sz="1200">
+              <a:solidFill>
+                <a:schemeClr val="dk1"/>
+              </a:solidFill>
+              <a:latin typeface="Calibri"/>
+              <a:ea typeface="Calibri"/>
+              <a:cs typeface="Calibri"/>
+              <a:sym typeface="Calibri"/>
+            </a:endParaRPr>
+          </a:p>
+          <a:p>
+            <a:pPr indent="0" lvl="0" marL="0" rtl="0" algn="l">
+              <a:spcBef>
+                <a:spcPts val="0"/>
+              </a:spcBef>
+              <a:spcAft>
+                <a:spcPts val="0"/>
+              </a:spcAft>
+              <a:buClr>
+                <a:schemeClr val="dk1"/>
+              </a:buClr>
+              <a:buSzPts val="1100"/>
+              <a:buFont typeface="Arial"/>
+              <a:buNone/>
+            </a:pPr>
+            <a:r>
+              <a:rPr lang="en" sz="1200">
+                <a:solidFill>
+                  <a:schemeClr val="dk1"/>
+                </a:solidFill>
+                <a:latin typeface="Calibri"/>
+                <a:ea typeface="Calibri"/>
+                <a:cs typeface="Calibri"/>
+                <a:sym typeface="Calibri"/>
+              </a:rPr>
+              <a:t>We get this output because the approximation will first get the first diamond for bag A because these items are sorted in a value/weight ratio, and then mark the second diamond as the first item that cannot fit in bag A. Then it can not add the ruby or any of the rings to bag A. In the creation of the second bag, the second diamond will be added before anything else, and therefore it is unable to add the ruby, thereby returning a non-optimal solution, but is within the ½ approximation bounds</a:t>
+            </a:r>
+            <a:endParaRPr sz="1200">
+              <a:solidFill>
+                <a:schemeClr val="dk1"/>
+              </a:solidFill>
               <a:latin typeface="Calibri"/>
               <a:ea typeface="Calibri"/>
               <a:cs typeface="Calibri"/>
@@ -17944,6 +18054,40 @@
               <a:sym typeface="Calibri"/>
             </a:endParaRPr>
           </a:p>
+        </p:txBody>
+      </p:sp>
+      <p:sp>
+        <p:nvSpPr>
+          <p:cNvPr id="220" name="Google Shape;220;p36"/>
+          <p:cNvSpPr txBox="1"/>
+          <p:nvPr/>
+        </p:nvSpPr>
+        <p:spPr>
+          <a:xfrm>
+            <a:off x="2955025" y="1201125"/>
+            <a:ext cx="2806200" cy="1262100"/>
+          </a:xfrm>
+          <a:prstGeom prst="rect">
+            <a:avLst/>
+          </a:prstGeom>
+          <a:solidFill>
+            <a:srgbClr val="EFEFEF"/>
+          </a:solidFill>
+          <a:ln cap="flat" cmpd="sng" w="9525">
+            <a:solidFill>
+              <a:srgbClr val="000000"/>
+            </a:solidFill>
+            <a:prstDash val="solid"/>
+            <a:round/>
+            <a:headEnd len="sm" w="sm" type="none"/>
+            <a:tailEnd len="sm" w="sm" type="none"/>
+          </a:ln>
+        </p:spPr>
+        <p:txBody>
+          <a:bodyPr anchorCtr="0" anchor="t" bIns="91425" lIns="91425" spcFirstLastPara="1" rIns="91425" wrap="square" tIns="91425">
+            <a:spAutoFit/>
+          </a:bodyPr>
+          <a:lstStyle/>
           <a:p>
             <a:pPr indent="0" lvl="0" marL="0" rtl="0" algn="l">
               <a:spcBef>
@@ -17952,18 +18096,29 @@
               <a:spcAft>
                 <a:spcPts val="0"/>
               </a:spcAft>
+              <a:buClr>
+                <a:schemeClr val="dk1"/>
+              </a:buClr>
+              <a:buSzPts val="1100"/>
+              <a:buFont typeface="Arial"/>
               <a:buNone/>
             </a:pPr>
             <a:r>
               <a:rPr lang="en">
+                <a:solidFill>
+                  <a:schemeClr val="dk1"/>
+                </a:solidFill>
                 <a:latin typeface="Calibri"/>
                 <a:ea typeface="Calibri"/>
                 <a:cs typeface="Calibri"/>
                 <a:sym typeface="Calibri"/>
               </a:rPr>
-              <a:t>This is because it will first get the ring for bag a, and then mark diamond as the first one to be added and then it can’t add ruby</a:t>
+              <a:t>300</a:t>
             </a:r>
             <a:endParaRPr>
+              <a:solidFill>
+                <a:schemeClr val="dk1"/>
+              </a:solidFill>
               <a:latin typeface="Calibri"/>
               <a:ea typeface="Calibri"/>
               <a:cs typeface="Calibri"/>
@@ -17987,14 +18142,20 @@
             </a:pPr>
             <a:r>
               <a:rPr lang="en">
+                <a:solidFill>
+                  <a:schemeClr val="dk1"/>
+                </a:solidFill>
                 <a:latin typeface="Calibri"/>
                 <a:ea typeface="Calibri"/>
                 <a:cs typeface="Calibri"/>
                 <a:sym typeface="Calibri"/>
               </a:rPr>
-              <a:t>and then it’ll add diamond</a:t>
+              <a:t>3</a:t>
             </a:r>
             <a:endParaRPr>
+              <a:solidFill>
+                <a:schemeClr val="dk1"/>
+              </a:solidFill>
               <a:latin typeface="Calibri"/>
               <a:ea typeface="Calibri"/>
               <a:cs typeface="Calibri"/>
@@ -18018,14 +18179,20 @@
             </a:pPr>
             <a:r>
               <a:rPr lang="en">
+                <a:solidFill>
+                  <a:schemeClr val="dk1"/>
+                </a:solidFill>
                 <a:latin typeface="Calibri"/>
                 <a:ea typeface="Calibri"/>
                 <a:cs typeface="Calibri"/>
                 <a:sym typeface="Calibri"/>
               </a:rPr>
-              <a:t>to bag 2 and bag 2 cant add ruby at that point</a:t>
+              <a:t>ring 280 200 2</a:t>
             </a:r>
             <a:endParaRPr>
+              <a:solidFill>
+                <a:schemeClr val="dk1"/>
+              </a:solidFill>
               <a:latin typeface="Calibri"/>
               <a:ea typeface="Calibri"/>
               <a:cs typeface="Calibri"/>
@@ -18040,16 +18207,70 @@
               <a:spcAft>
                 <a:spcPts val="0"/>
               </a:spcAft>
+              <a:buClr>
+                <a:schemeClr val="dk1"/>
+              </a:buClr>
+              <a:buSzPts val="1100"/>
+              <a:buFont typeface="Arial"/>
               <a:buNone/>
             </a:pPr>
             <a:r>
-              <a:t/>
+              <a:rPr lang="en">
+                <a:solidFill>
+                  <a:schemeClr val="dk1"/>
+                </a:solidFill>
+                <a:latin typeface="Calibri"/>
+                <a:ea typeface="Calibri"/>
+                <a:cs typeface="Calibri"/>
+                <a:sym typeface="Calibri"/>
+              </a:rPr>
+              <a:t>diamond 280 200 2</a:t>
             </a:r>
             <a:endParaRPr>
+              <a:solidFill>
+                <a:schemeClr val="dk1"/>
+              </a:solidFill>
               <a:latin typeface="Calibri"/>
               <a:ea typeface="Calibri"/>
               <a:cs typeface="Calibri"/>
               <a:sym typeface="Calibri"/>
+            </a:endParaRPr>
+          </a:p>
+          <a:p>
+            <a:pPr indent="0" lvl="0" marL="0" rtl="0" algn="l">
+              <a:spcBef>
+                <a:spcPts val="0"/>
+              </a:spcBef>
+              <a:spcAft>
+                <a:spcPts val="0"/>
+              </a:spcAft>
+              <a:buClr>
+                <a:schemeClr val="dk1"/>
+              </a:buClr>
+              <a:buSzPts val="1100"/>
+              <a:buFont typeface="Arial"/>
+              <a:buNone/>
+            </a:pPr>
+            <a:r>
+              <a:rPr lang="en">
+                <a:solidFill>
+                  <a:schemeClr val="dk1"/>
+                </a:solidFill>
+                <a:latin typeface="Calibri"/>
+                <a:ea typeface="Calibri"/>
+                <a:cs typeface="Calibri"/>
+                <a:sym typeface="Calibri"/>
+              </a:rPr>
+              <a:t>ruby 300 300 1</a:t>
+            </a:r>
+            <a:endParaRPr>
+              <a:highlight>
+                <a:srgbClr val="EFEFEF"/>
+              </a:highlight>
+              <a:latin typeface="Roboto Medium"/>
+              <a:ea typeface="Roboto Medium"/>
+              <a:cs typeface="Roboto Medium"/>
+              <a:sym typeface="Roboto Medium"/>
             </a:endParaRPr>
           </a:p>
         </p:txBody>
@@ -18067,7 +18288,7 @@
   <p:cSld>
     <p:spTree>
       <p:nvGrpSpPr>
-        <p:cNvPr id="223" name="Shape 223"/>
+        <p:cNvPr id="224" name="Shape 224"/>
         <p:cNvGrpSpPr/>
         <p:nvPr/>
       </p:nvGrpSpPr>
@@ -18081,7 +18302,7 @@
       </p:grpSpPr>
       <p:sp>
         <p:nvSpPr>
-          <p:cNvPr id="224" name="Google Shape;224;p37"/>
+          <p:cNvPr id="225" name="Google Shape;225;p37"/>
           <p:cNvSpPr txBox="1"/>
           <p:nvPr/>
         </p:nvSpPr>
@@ -18139,7 +18360,7 @@
       </p:sp>
       <p:cxnSp>
         <p:nvCxnSpPr>
-          <p:cNvPr id="225" name="Google Shape;225;p37"/>
+          <p:cNvPr id="226" name="Google Shape;226;p37"/>
           <p:cNvCxnSpPr/>
           <p:nvPr/>
         </p:nvCxnSpPr>
@@ -18165,7 +18386,7 @@
       </p:cxnSp>
       <p:sp>
         <p:nvSpPr>
-          <p:cNvPr id="226" name="Google Shape;226;p37"/>
+          <p:cNvPr id="227" name="Google Shape;227;p37"/>
           <p:cNvSpPr txBox="1"/>
           <p:nvPr>
             <p:ph idx="12" type="sldNum"/>
@@ -18209,7 +18430,7 @@
       </p:sp>
       <p:sp>
         <p:nvSpPr>
-          <p:cNvPr id="227" name="Google Shape;227;p37"/>
+          <p:cNvPr id="228" name="Google Shape;228;p37"/>
           <p:cNvSpPr txBox="1"/>
           <p:nvPr/>
         </p:nvSpPr>
@@ -18232,9 +18453,9 @@
           </a:bodyPr>
           <a:lstStyle/>
           <a:p>
-            <a:pPr indent="-285750" lvl="0" marL="254000" marR="0" rtl="0" algn="l">
-              <a:lnSpc>
-                <a:spcPct val="90000"/>
+            <a:pPr indent="0" lvl="0" marL="0" marR="0" rtl="0" algn="l">
+              <a:lnSpc>
+                <a:spcPct val="100000"/>
               </a:lnSpc>
               <a:spcBef>
                 <a:spcPts val="800"/>
@@ -18242,23 +18463,18 @@
               <a:spcAft>
                 <a:spcPts val="0"/>
               </a:spcAft>
-              <a:buClr>
-                <a:schemeClr val="dk1"/>
-              </a:buClr>
-              <a:buSzPts val="2300"/>
-              <a:buFont typeface="Arial"/>
-              <a:buChar char="•"/>
+              <a:buNone/>
             </a:pPr>
             <a:r>
               <a:rPr lang="en" sz="1600"/>
-              <a:t>The upper bound for bounded knapsack is </a:t>
+              <a:t>The upper bound for this problem is fractional knapsack</a:t>
             </a:r>
             <a:endParaRPr sz="1600"/>
           </a:p>
           <a:p>
-            <a:pPr indent="0" lvl="0" marL="457200" marR="0" rtl="0" algn="l">
-              <a:lnSpc>
-                <a:spcPct val="90000"/>
+            <a:pPr indent="0" lvl="0" marL="0" marR="0" rtl="0" algn="l">
+              <a:lnSpc>
+                <a:spcPct val="100000"/>
               </a:lnSpc>
               <a:spcBef>
                 <a:spcPts val="800"/>
@@ -18270,12 +18486,12 @@
             </a:pPr>
             <a:r>
               <a:rPr lang="en" sz="1600"/>
-              <a:t>S = max (S1, S2)</a:t>
+              <a:t>The lower bound for this problem is our approximation of bounded knapsack.</a:t>
             </a:r>
             <a:endParaRPr sz="1600"/>
           </a:p>
           <a:p>
-            <a:pPr indent="0" lvl="0" marL="457200" marR="0" rtl="0" algn="l">
+            <a:pPr indent="0" lvl="0" marL="0" marR="0" rtl="0" algn="l">
               <a:lnSpc>
                 <a:spcPct val="90000"/>
               </a:lnSpc>
@@ -18306,18 +18522,40 @@
               <a:buNone/>
             </a:pPr>
             <a:r>
-              <a:rPr lang="en" sz="1600"/>
-              <a:t>We came up with this because S1 U S2 provides the upper bound </a:t>
+              <a:t/>
             </a:r>
             <a:endParaRPr sz="1600"/>
           </a:p>
+        </p:txBody>
+      </p:sp>
+      <p:sp>
+        <p:nvSpPr>
+          <p:cNvPr id="229" name="Google Shape;229;p37"/>
+          <p:cNvSpPr txBox="1"/>
+          <p:nvPr/>
+        </p:nvSpPr>
+        <p:spPr>
+          <a:xfrm>
+            <a:off x="176875" y="1308875"/>
+            <a:ext cx="4395000" cy="400200"/>
+          </a:xfrm>
+          <a:prstGeom prst="rect">
+            <a:avLst/>
+          </a:prstGeom>
+          <a:noFill/>
+          <a:ln>
+            <a:noFill/>
+          </a:ln>
+        </p:spPr>
+        <p:txBody>
+          <a:bodyPr anchorCtr="0" anchor="t" bIns="91425" lIns="91425" spcFirstLastPara="1" rIns="91425" wrap="square" tIns="91425">
+            <a:spAutoFit/>
+          </a:bodyPr>
+          <a:lstStyle/>
           <a:p>
-            <a:pPr indent="0" lvl="0" marL="0" marR="0" rtl="0" algn="l">
-              <a:lnSpc>
-                <a:spcPct val="90000"/>
-              </a:lnSpc>
-              <a:spcBef>
-                <a:spcPts val="800"/>
+            <a:pPr indent="0" lvl="0" marL="0" rtl="0" algn="l">
+              <a:spcBef>
+                <a:spcPts val="0"/>
               </a:spcBef>
               <a:spcAft>
                 <a:spcPts val="0"/>
@@ -18327,15 +18565,43 @@
             <a:r>
               <a:t/>
             </a:r>
-            <a:endParaRPr sz="1600"/>
+            <a:endParaRPr>
+              <a:latin typeface="Calibri"/>
+              <a:ea typeface="Calibri"/>
+              <a:cs typeface="Calibri"/>
+              <a:sym typeface="Calibri"/>
+            </a:endParaRPr>
           </a:p>
+        </p:txBody>
+      </p:sp>
+      <p:sp>
+        <p:nvSpPr>
+          <p:cNvPr id="230" name="Google Shape;230;p37"/>
+          <p:cNvSpPr txBox="1"/>
+          <p:nvPr/>
+        </p:nvSpPr>
+        <p:spPr>
+          <a:xfrm>
+            <a:off x="4697775" y="1986900"/>
+            <a:ext cx="4053900" cy="1416000"/>
+          </a:xfrm>
+          <a:prstGeom prst="rect">
+            <a:avLst/>
+          </a:prstGeom>
+          <a:noFill/>
+          <a:ln>
+            <a:noFill/>
+          </a:ln>
+        </p:spPr>
+        <p:txBody>
+          <a:bodyPr anchorCtr="0" anchor="t" bIns="91425" lIns="91425" spcFirstLastPara="1" rIns="91425" wrap="square" tIns="91425">
+            <a:spAutoFit/>
+          </a:bodyPr>
+          <a:lstStyle/>
           <a:p>
-            <a:pPr indent="0" lvl="0" marL="0" marR="0" rtl="0" algn="l">
-              <a:lnSpc>
-                <a:spcPct val="90000"/>
-              </a:lnSpc>
-              <a:spcBef>
-                <a:spcPts val="800"/>
+            <a:pPr indent="0" lvl="0" marL="0" rtl="0" algn="l">
+              <a:spcBef>
+                <a:spcPts val="0"/>
               </a:spcBef>
               <a:spcAft>
                 <a:spcPts val="0"/>
@@ -18343,82 +18609,20 @@
               <a:buNone/>
             </a:pPr>
             <a:r>
-              <a:t/>
+              <a:rPr lang="en" sz="1600">
+                <a:latin typeface="Calibri"/>
+                <a:ea typeface="Calibri"/>
+                <a:cs typeface="Calibri"/>
+                <a:sym typeface="Calibri"/>
+              </a:rPr>
+              <a:t>The time complexity for the computation of our bounded knapsack algorithm is O(n^2), where n is the total number of items not just the unique items. To sort the array by value/weight ratio is O(nlogn).</a:t>
             </a:r>
-            <a:endParaRPr sz="1600"/>
-          </a:p>
-          <a:p>
-            <a:pPr indent="0" lvl="0" marL="0" marR="0" rtl="0" algn="l">
-              <a:lnSpc>
-                <a:spcPct val="90000"/>
-              </a:lnSpc>
-              <a:spcBef>
-                <a:spcPts val="800"/>
-              </a:spcBef>
-              <a:spcAft>
-                <a:spcPts val="0"/>
-              </a:spcAft>
-              <a:buNone/>
-            </a:pPr>
-            <a:r>
-              <a:t/>
-            </a:r>
-            <a:endParaRPr sz="1100"/>
-          </a:p>
-          <a:p>
-            <a:pPr indent="0" lvl="0" marL="0" marR="0" rtl="0" algn="l">
-              <a:lnSpc>
-                <a:spcPct val="90000"/>
-              </a:lnSpc>
-              <a:spcBef>
-                <a:spcPts val="800"/>
-              </a:spcBef>
-              <a:spcAft>
-                <a:spcPts val="0"/>
-              </a:spcAft>
-              <a:buNone/>
-            </a:pPr>
-            <a:r>
-              <a:t/>
-            </a:r>
-            <a:endParaRPr sz="1100"/>
-          </a:p>
-          <a:p>
-            <a:pPr indent="0" lvl="0" marL="0" marR="0" rtl="0" algn="l">
-              <a:lnSpc>
-                <a:spcPct val="90000"/>
-              </a:lnSpc>
-              <a:spcBef>
-                <a:spcPts val="800"/>
-              </a:spcBef>
-              <a:spcAft>
-                <a:spcPts val="0"/>
-              </a:spcAft>
-              <a:buNone/>
-            </a:pPr>
-            <a:r>
-              <a:t/>
-            </a:r>
-            <a:endParaRPr sz="1100"/>
-          </a:p>
-          <a:p>
-            <a:pPr indent="0" lvl="0" marL="0" marR="0" rtl="0" algn="l">
-              <a:lnSpc>
-                <a:spcPct val="90000"/>
-              </a:lnSpc>
-              <a:spcBef>
-                <a:spcPts val="800"/>
-              </a:spcBef>
-              <a:spcAft>
-                <a:spcPts val="0"/>
-              </a:spcAft>
-              <a:buNone/>
-            </a:pPr>
-            <a:r>
-              <a:rPr lang="en" sz="1600"/>
-              <a:t>The time complexity for the computation of U1 or U2 is O(n) if the item types are already sorted. If the items are unsorted then we add O(nlogn) for sorting</a:t>
-            </a:r>
-            <a:endParaRPr sz="1600"/>
+            <a:endParaRPr sz="1600">
+              <a:latin typeface="Calibri"/>
+              <a:ea typeface="Calibri"/>
+              <a:cs typeface="Calibri"/>
+              <a:sym typeface="Calibri"/>
+            </a:endParaRPr>
           </a:p>
         </p:txBody>
       </p:sp>
@@ -21164,6 +21368,285 @@
 </file>
 
 <file path=ppt/theme/theme1.xml><?xml version="1.0" encoding="utf-8"?>
+<a:theme xmlns:a="http://schemas.openxmlformats.org/drawingml/2006/main" xmlns:r="http://schemas.openxmlformats.org/officeDocument/2006/relationships" name="Office Theme">
+  <a:themeElements>
+    <a:clrScheme name="Office">
+      <a:dk1>
+        <a:srgbClr val="000000"/>
+      </a:dk1>
+      <a:lt1>
+        <a:srgbClr val="FFFFFF"/>
+      </a:lt1>
+      <a:dk2>
+        <a:srgbClr val="44546A"/>
+      </a:dk2>
+      <a:lt2>
+        <a:srgbClr val="E7E6E6"/>
+      </a:lt2>
+      <a:accent1>
+        <a:srgbClr val="4472C4"/>
+      </a:accent1>
+      <a:accent2>
+        <a:srgbClr val="ED7D31"/>
+      </a:accent2>
+      <a:accent3>
+        <a:srgbClr val="A5A5A5"/>
+      </a:accent3>
+      <a:accent4>
+        <a:srgbClr val="FFC000"/>
+      </a:accent4>
+      <a:accent5>
+        <a:srgbClr val="5B9BD5"/>
+      </a:accent5>
+      <a:accent6>
+        <a:srgbClr val="70AD47"/>
+      </a:accent6>
+      <a:hlink>
+        <a:srgbClr val="0563C1"/>
+      </a:hlink>
+      <a:folHlink>
+        <a:srgbClr val="954F72"/>
+      </a:folHlink>
+    </a:clrScheme>
+    <a:fontScheme name="Office">
+      <a:majorFont>
+        <a:latin typeface="Arial"/>
+        <a:ea typeface=""/>
+        <a:cs typeface=""/>
+        <a:font script="Jpan" typeface="ＭＳ Ｐゴシック"/>
+        <a:font script="Hang" typeface="맑은 고딕"/>
+        <a:font script="Hans" typeface="宋体"/>
+        <a:font script="Hant" typeface="新細明體"/>
+        <a:font script="Arab" typeface="Times New Roman"/>
+        <a:font script="Hebr" typeface="Times New Roman"/>
+        <a:font script="Thai" typeface="Angsana New"/>
+        <a:font script="Ethi" typeface="Nyala"/>
+        <a:font script="Beng" typeface="Vrinda"/>
+        <a:font script="Gujr" typeface="Shruti"/>
+        <a:font script="Khmr" typeface="MoolBoran"/>
+        <a:font script="Knda" typeface="Tunga"/>
+        <a:font script="Guru" typeface="Raavi"/>
+        <a:font script="Cans" typeface="Euphemia"/>
+        <a:font script="Cher" typeface="Plantagenet Cherokee"/>
+        <a:font script="Yiii" typeface="Microsoft Yi Baiti"/>
+        <a:font script="Tibt" typeface="Microsoft Himalaya"/>
+        <a:font script="Thaa" typeface="MV Boli"/>
+        <a:font script="Deva" typeface="Mangal"/>
+        <a:font script="Telu" typeface="Gautami"/>
+        <a:font script="Taml" typeface="Latha"/>
+        <a:font script="Syrc" typeface="Estrangelo Edessa"/>
+        <a:font script="Orya" typeface="Kalinga"/>
+        <a:font script="Mlym" typeface="Kartika"/>
+        <a:font script="Laoo" typeface="DokChampa"/>
+        <a:font script="Sinh" typeface="Iskoola Pota"/>
+        <a:font script="Mong" typeface="Mongolian Baiti"/>
+        <a:font script="Viet" typeface="Times New Roman"/>
+        <a:font script="Uigh" typeface="Microsoft Uighur"/>
+        <a:font script="Geor" typeface="Sylfaen"/>
+      </a:majorFont>
+      <a:minorFont>
+        <a:latin typeface="Arial"/>
+        <a:ea typeface=""/>
+        <a:cs typeface=""/>
+        <a:font script="Jpan" typeface="ＭＳ Ｐゴシック"/>
+        <a:font script="Hang" typeface="맑은 고딕"/>
+        <a:font script="Hans" typeface="宋体"/>
+        <a:font script="Hant" typeface="新細明體"/>
+        <a:font script="Arab" typeface="Arial"/>
+        <a:font script="Hebr" typeface="Arial"/>
+        <a:font script="Thai" typeface="Cordia New"/>
+        <a:font script="Ethi" typeface="Nyala"/>
+        <a:font script="Beng" typeface="Vrinda"/>
+        <a:font script="Gujr" typeface="Shruti"/>
+        <a:font script="Khmr" typeface="DaunPenh"/>
+        <a:font script="Knda" typeface="Tunga"/>
+        <a:font script="Guru" typeface="Raavi"/>
+        <a:font script="Cans" typeface="Euphemia"/>
+        <a:font script="Cher" typeface="Plantagenet Cherokee"/>
+        <a:font script="Yiii" typeface="Microsoft Yi Baiti"/>
+        <a:font script="Tibt" typeface="Microsoft Himalaya"/>
+        <a:font script="Thaa" typeface="MV Boli"/>
+        <a:font script="Deva" typeface="Mangal"/>
+        <a:font script="Telu" typeface="Gautami"/>
+        <a:font script="Taml" typeface="Latha"/>
+        <a:font script="Syrc" typeface="Estrangelo Edessa"/>
+        <a:font script="Orya" typeface="Kalinga"/>
+        <a:font script="Mlym" typeface="Kartika"/>
+        <a:font script="Laoo" typeface="DokChampa"/>
+        <a:font script="Sinh" typeface="Iskoola Pota"/>
+        <a:font script="Mong" typeface="Mongolian Baiti"/>
+        <a:font script="Viet" typeface="Arial"/>
+        <a:font script="Uigh" typeface="Microsoft Uighur"/>
+        <a:font script="Geor" typeface="Sylfaen"/>
+      </a:minorFont>
+    </a:fontScheme>
+    <a:fmtScheme name="Office">
+      <a:fillStyleLst>
+        <a:solidFill>
+          <a:schemeClr val="phClr"/>
+        </a:solidFill>
+        <a:gradFill rotWithShape="1">
+          <a:gsLst>
+            <a:gs pos="0">
+              <a:schemeClr val="phClr">
+                <a:tint val="50000"/>
+                <a:satMod val="300000"/>
+              </a:schemeClr>
+            </a:gs>
+            <a:gs pos="35000">
+              <a:schemeClr val="phClr">
+                <a:tint val="37000"/>
+                <a:satMod val="300000"/>
+              </a:schemeClr>
+            </a:gs>
+            <a:gs pos="100000">
+              <a:schemeClr val="phClr">
+                <a:tint val="15000"/>
+                <a:satMod val="350000"/>
+              </a:schemeClr>
+            </a:gs>
+          </a:gsLst>
+          <a:lin ang="16200000" scaled="1"/>
+        </a:gradFill>
+        <a:gradFill rotWithShape="1">
+          <a:gsLst>
+            <a:gs pos="0">
+              <a:schemeClr val="phClr">
+                <a:tint val="100000"/>
+                <a:shade val="100000"/>
+                <a:satMod val="130000"/>
+              </a:schemeClr>
+            </a:gs>
+            <a:gs pos="100000">
+              <a:schemeClr val="phClr">
+                <a:tint val="50000"/>
+                <a:shade val="100000"/>
+                <a:satMod val="350000"/>
+              </a:schemeClr>
+            </a:gs>
+          </a:gsLst>
+          <a:lin ang="16200000" scaled="0"/>
+        </a:gradFill>
+      </a:fillStyleLst>
+      <a:lnStyleLst>
+        <a:ln w="9525" cap="flat" cmpd="sng" algn="ctr">
+          <a:solidFill>
+            <a:schemeClr val="phClr">
+              <a:shade val="95000"/>
+              <a:satMod val="105000"/>
+            </a:schemeClr>
+          </a:solidFill>
+          <a:prstDash val="solid"/>
+        </a:ln>
+        <a:ln w="25400" cap="flat" cmpd="sng" algn="ctr">
+          <a:solidFill>
+            <a:schemeClr val="phClr"/>
+          </a:solidFill>
+          <a:prstDash val="solid"/>
+        </a:ln>
+        <a:ln w="38100" cap="flat" cmpd="sng" algn="ctr">
+          <a:solidFill>
+            <a:schemeClr val="phClr"/>
+          </a:solidFill>
+          <a:prstDash val="solid"/>
+        </a:ln>
+      </a:lnStyleLst>
+      <a:effectStyleLst>
+        <a:effectStyle>
+          <a:effectLst>
+            <a:outerShdw blurRad="40000" dist="20000" dir="5400000" rotWithShape="0">
+              <a:srgbClr val="000000">
+                <a:alpha val="38000"/>
+              </a:srgbClr>
+            </a:outerShdw>
+          </a:effectLst>
+        </a:effectStyle>
+        <a:effectStyle>
+          <a:effectLst>
+            <a:outerShdw blurRad="40000" dist="23000" dir="5400000" rotWithShape="0">
+              <a:srgbClr val="000000">
+                <a:alpha val="35000"/>
+              </a:srgbClr>
+            </a:outerShdw>
+          </a:effectLst>
+        </a:effectStyle>
+        <a:effectStyle>
+          <a:effectLst>
+            <a:outerShdw blurRad="40000" dist="23000" dir="5400000" rotWithShape="0">
+              <a:srgbClr val="000000">
+                <a:alpha val="35000"/>
+              </a:srgbClr>
+            </a:outerShdw>
+          </a:effectLst>
+          <a:scene3d>
+            <a:camera prst="orthographicFront">
+              <a:rot lat="0" lon="0" rev="0"/>
+            </a:camera>
+            <a:lightRig rig="threePt" dir="t">
+              <a:rot lat="0" lon="0" rev="1200000"/>
+            </a:lightRig>
+          </a:scene3d>
+          <a:sp3d>
+            <a:bevelT w="63500" h="25400"/>
+          </a:sp3d>
+        </a:effectStyle>
+      </a:effectStyleLst>
+      <a:bgFillStyleLst>
+        <a:solidFill>
+          <a:schemeClr val="phClr"/>
+        </a:solidFill>
+        <a:gradFill rotWithShape="1">
+          <a:gsLst>
+            <a:gs pos="0">
+              <a:schemeClr val="phClr">
+                <a:tint val="40000"/>
+                <a:satMod val="350000"/>
+              </a:schemeClr>
+            </a:gs>
+            <a:gs pos="40000">
+              <a:schemeClr val="phClr">
+                <a:tint val="45000"/>
+                <a:shade val="99000"/>
+                <a:satMod val="350000"/>
+              </a:schemeClr>
+            </a:gs>
+            <a:gs pos="100000">
+              <a:schemeClr val="phClr">
+                <a:shade val="20000"/>
+                <a:satMod val="255000"/>
+              </a:schemeClr>
+            </a:gs>
+          </a:gsLst>
+          <a:path path="circle">
+            <a:fillToRect l="50000" t="-80000" r="50000" b="180000"/>
+          </a:path>
+        </a:gradFill>
+        <a:gradFill rotWithShape="1">
+          <a:gsLst>
+            <a:gs pos="0">
+              <a:schemeClr val="phClr">
+                <a:tint val="80000"/>
+                <a:satMod val="300000"/>
+              </a:schemeClr>
+            </a:gs>
+            <a:gs pos="100000">
+              <a:schemeClr val="phClr">
+                <a:shade val="30000"/>
+                <a:satMod val="200000"/>
+              </a:schemeClr>
+            </a:gs>
+          </a:gsLst>
+          <a:path path="circle">
+            <a:fillToRect l="50000" t="50000" r="50000" b="50000"/>
+          </a:path>
+        </a:gradFill>
+      </a:bgFillStyleLst>
+    </a:fmtScheme>
+  </a:themeElements>
+</a:theme>
+</file>
+
+<file path=ppt/theme/theme2.xml><?xml version="1.0" encoding="utf-8"?>
 <a:theme xmlns:a="http://schemas.openxmlformats.org/drawingml/2006/main" xmlns:r="http://schemas.openxmlformats.org/officeDocument/2006/relationships">
   <a:themeElements>
     <a:clrScheme name="Default">
@@ -21442,7 +21925,7 @@
 </a:theme>
 </file>
 
-<file path=ppt/theme/theme2.xml><?xml version="1.0" encoding="utf-8"?>
+<file path=ppt/theme/theme3.xml><?xml version="1.0" encoding="utf-8"?>
 <a:theme xmlns:a="http://schemas.openxmlformats.org/drawingml/2006/main" xmlns:r="http://schemas.openxmlformats.org/officeDocument/2006/relationships" name="Simple Light">
   <a:themeElements>
     <a:clrScheme name="Simple Light">
@@ -21719,283 +22202,4 @@
     </a:fmtScheme>
   </a:themeElements>
 </a:theme>
-</file>
-
-<file path=ppt/theme/theme3.xml><?xml version="1.0" encoding="utf-8"?>
-<a:theme xmlns:a="http://schemas.openxmlformats.org/drawingml/2006/main" xmlns:r="http://schemas.openxmlformats.org/officeDocument/2006/relationships" name="Office Theme">
-  <a:themeElements>
-    <a:clrScheme name="Office">
-      <a:dk1>
-        <a:srgbClr val="000000"/>
-      </a:dk1>
-      <a:lt1>
-        <a:srgbClr val="FFFFFF"/>
-      </a:lt1>
-      <a:dk2>
-        <a:srgbClr val="44546A"/>
-      </a:dk2>
-      <a:lt2>
-        <a:srgbClr val="E7E6E6"/>
-      </a:lt2>
-      <a:accent1>
-        <a:srgbClr val="4472C4"/>
-      </a:accent1>
-      <a:accent2>
-        <a:srgbClr val="ED7D31"/>
-      </a:accent2>
-      <a:accent3>
-        <a:srgbClr val="A5A5A5"/>
-      </a:accent3>
-      <a:accent4>
-        <a:srgbClr val="FFC000"/>
-      </a:accent4>
-      <a:accent5>
-        <a:srgbClr val="5B9BD5"/>
-      </a:accent5>
-      <a:accent6>
-        <a:srgbClr val="70AD47"/>
-      </a:accent6>
-      <a:hlink>
-        <a:srgbClr val="0563C1"/>
-      </a:hlink>
-      <a:folHlink>
-        <a:srgbClr val="954F72"/>
-      </a:folHlink>
-    </a:clrScheme>
-    <a:fontScheme name="Office">
-      <a:majorFont>
-        <a:latin typeface="Arial"/>
-        <a:ea typeface=""/>
-        <a:cs typeface=""/>
-        <a:font script="Jpan" typeface="ＭＳ Ｐゴシック"/>
-        <a:font script="Hang" typeface="맑은 고딕"/>
-        <a:font script="Hans" typeface="宋体"/>
-        <a:font script="Hant" typeface="新細明體"/>
-        <a:font script="Arab" typeface="Times New Roman"/>
-        <a:font script="Hebr" typeface="Times New Roman"/>
-        <a:font script="Thai" typeface="Angsana New"/>
-        <a:font script="Ethi" typeface="Nyala"/>
-        <a:font script="Beng" typeface="Vrinda"/>
-        <a:font script="Gujr" typeface="Shruti"/>
-        <a:font script="Khmr" typeface="MoolBoran"/>
-        <a:font script="Knda" typeface="Tunga"/>
-        <a:font script="Guru" typeface="Raavi"/>
-        <a:font script="Cans" typeface="Euphemia"/>
-        <a:font script="Cher" typeface="Plantagenet Cherokee"/>
-        <a:font script="Yiii" typeface="Microsoft Yi Baiti"/>
-        <a:font script="Tibt" typeface="Microsoft Himalaya"/>
-        <a:font script="Thaa" typeface="MV Boli"/>
-        <a:font script="Deva" typeface="Mangal"/>
-        <a:font script="Telu" typeface="Gautami"/>
-        <a:font script="Taml" typeface="Latha"/>
-        <a:font script="Syrc" typeface="Estrangelo Edessa"/>
-        <a:font script="Orya" typeface="Kalinga"/>
-        <a:font script="Mlym" typeface="Kartika"/>
-        <a:font script="Laoo" typeface="DokChampa"/>
-        <a:font script="Sinh" typeface="Iskoola Pota"/>
-        <a:font script="Mong" typeface="Mongolian Baiti"/>
-        <a:font script="Viet" typeface="Times New Roman"/>
-        <a:font script="Uigh" typeface="Microsoft Uighur"/>
-        <a:font script="Geor" typeface="Sylfaen"/>
-      </a:majorFont>
-      <a:minorFont>
-        <a:latin typeface="Arial"/>
-        <a:ea typeface=""/>
-        <a:cs typeface=""/>
-        <a:font script="Jpan" typeface="ＭＳ Ｐゴシック"/>
-        <a:font script="Hang" typeface="맑은 고딕"/>
-        <a:font script="Hans" typeface="宋体"/>
-        <a:font script="Hant" typeface="新細明體"/>
-        <a:font script="Arab" typeface="Arial"/>
-        <a:font script="Hebr" typeface="Arial"/>
-        <a:font script="Thai" typeface="Cordia New"/>
-        <a:font script="Ethi" typeface="Nyala"/>
-        <a:font script="Beng" typeface="Vrinda"/>
-        <a:font script="Gujr" typeface="Shruti"/>
-        <a:font script="Khmr" typeface="DaunPenh"/>
-        <a:font script="Knda" typeface="Tunga"/>
-        <a:font script="Guru" typeface="Raavi"/>
-        <a:font script="Cans" typeface="Euphemia"/>
-        <a:font script="Cher" typeface="Plantagenet Cherokee"/>
-        <a:font script="Yiii" typeface="Microsoft Yi Baiti"/>
-        <a:font script="Tibt" typeface="Microsoft Himalaya"/>
-        <a:font script="Thaa" typeface="MV Boli"/>
-        <a:font script="Deva" typeface="Mangal"/>
-        <a:font script="Telu" typeface="Gautami"/>
-        <a:font script="Taml" typeface="Latha"/>
-        <a:font script="Syrc" typeface="Estrangelo Edessa"/>
-        <a:font script="Orya" typeface="Kalinga"/>
-        <a:font script="Mlym" typeface="Kartika"/>
-        <a:font script="Laoo" typeface="DokChampa"/>
-        <a:font script="Sinh" typeface="Iskoola Pota"/>
-        <a:font script="Mong" typeface="Mongolian Baiti"/>
-        <a:font script="Viet" typeface="Arial"/>
-        <a:font script="Uigh" typeface="Microsoft Uighur"/>
-        <a:font script="Geor" typeface="Sylfaen"/>
-      </a:minorFont>
-    </a:fontScheme>
-    <a:fmtScheme name="Office">
-      <a:fillStyleLst>
-        <a:solidFill>
-          <a:schemeClr val="phClr"/>
-        </a:solidFill>
-        <a:gradFill rotWithShape="1">
-          <a:gsLst>
-            <a:gs pos="0">
-              <a:schemeClr val="phClr">
-                <a:tint val="50000"/>
-                <a:satMod val="300000"/>
-              </a:schemeClr>
-            </a:gs>
-            <a:gs pos="35000">
-              <a:schemeClr val="phClr">
-                <a:tint val="37000"/>
-                <a:satMod val="300000"/>
-              </a:schemeClr>
-            </a:gs>
-            <a:gs pos="100000">
-              <a:schemeClr val="phClr">
-                <a:tint val="15000"/>
-                <a:satMod val="350000"/>
-              </a:schemeClr>
-            </a:gs>
-          </a:gsLst>
-          <a:lin ang="16200000" scaled="1"/>
-        </a:gradFill>
-        <a:gradFill rotWithShape="1">
-          <a:gsLst>
-            <a:gs pos="0">
-              <a:schemeClr val="phClr">
-                <a:tint val="100000"/>
-                <a:shade val="100000"/>
-                <a:satMod val="130000"/>
-              </a:schemeClr>
-            </a:gs>
-            <a:gs pos="100000">
-              <a:schemeClr val="phClr">
-                <a:tint val="50000"/>
-                <a:shade val="100000"/>
-                <a:satMod val="350000"/>
-              </a:schemeClr>
-            </a:gs>
-          </a:gsLst>
-          <a:lin ang="16200000" scaled="0"/>
-        </a:gradFill>
-      </a:fillStyleLst>
-      <a:lnStyleLst>
-        <a:ln w="9525" cap="flat" cmpd="sng" algn="ctr">
-          <a:solidFill>
-            <a:schemeClr val="phClr">
-              <a:shade val="95000"/>
-              <a:satMod val="105000"/>
-            </a:schemeClr>
-          </a:solidFill>
-          <a:prstDash val="solid"/>
-        </a:ln>
-        <a:ln w="25400" cap="flat" cmpd="sng" algn="ctr">
-          <a:solidFill>
-            <a:schemeClr val="phClr"/>
-          </a:solidFill>
-          <a:prstDash val="solid"/>
-        </a:ln>
-        <a:ln w="38100" cap="flat" cmpd="sng" algn="ctr">
-          <a:solidFill>
-            <a:schemeClr val="phClr"/>
-          </a:solidFill>
-          <a:prstDash val="solid"/>
-        </a:ln>
-      </a:lnStyleLst>
-      <a:effectStyleLst>
-        <a:effectStyle>
-          <a:effectLst>
-            <a:outerShdw blurRad="40000" dist="20000" dir="5400000" rotWithShape="0">
-              <a:srgbClr val="000000">
-                <a:alpha val="38000"/>
-              </a:srgbClr>
-            </a:outerShdw>
-          </a:effectLst>
-        </a:effectStyle>
-        <a:effectStyle>
-          <a:effectLst>
-            <a:outerShdw blurRad="40000" dist="23000" dir="5400000" rotWithShape="0">
-              <a:srgbClr val="000000">
-                <a:alpha val="35000"/>
-              </a:srgbClr>
-            </a:outerShdw>
-          </a:effectLst>
-        </a:effectStyle>
-        <a:effectStyle>
-          <a:effectLst>
-            <a:outerShdw blurRad="40000" dist="23000" dir="5400000" rotWithShape="0">
-              <a:srgbClr val="000000">
-                <a:alpha val="35000"/>
-              </a:srgbClr>
-            </a:outerShdw>
-          </a:effectLst>
-          <a:scene3d>
-            <a:camera prst="orthographicFront">
-              <a:rot lat="0" lon="0" rev="0"/>
-            </a:camera>
-            <a:lightRig rig="threePt" dir="t">
-              <a:rot lat="0" lon="0" rev="1200000"/>
-            </a:lightRig>
-          </a:scene3d>
-          <a:sp3d>
-            <a:bevelT w="63500" h="25400"/>
-          </a:sp3d>
-        </a:effectStyle>
-      </a:effectStyleLst>
-      <a:bgFillStyleLst>
-        <a:solidFill>
-          <a:schemeClr val="phClr"/>
-        </a:solidFill>
-        <a:gradFill rotWithShape="1">
-          <a:gsLst>
-            <a:gs pos="0">
-              <a:schemeClr val="phClr">
-                <a:tint val="40000"/>
-                <a:satMod val="350000"/>
-              </a:schemeClr>
-            </a:gs>
-            <a:gs pos="40000">
-              <a:schemeClr val="phClr">
-                <a:tint val="45000"/>
-                <a:shade val="99000"/>
-                <a:satMod val="350000"/>
-              </a:schemeClr>
-            </a:gs>
-            <a:gs pos="100000">
-              <a:schemeClr val="phClr">
-                <a:shade val="20000"/>
-                <a:satMod val="255000"/>
-              </a:schemeClr>
-            </a:gs>
-          </a:gsLst>
-          <a:path path="circle">
-            <a:fillToRect l="50000" t="-80000" r="50000" b="180000"/>
-          </a:path>
-        </a:gradFill>
-        <a:gradFill rotWithShape="1">
-          <a:gsLst>
-            <a:gs pos="0">
-              <a:schemeClr val="phClr">
-                <a:tint val="80000"/>
-                <a:satMod val="300000"/>
-              </a:schemeClr>
-            </a:gs>
-            <a:gs pos="100000">
-              <a:schemeClr val="phClr">
-                <a:shade val="30000"/>
-                <a:satMod val="200000"/>
-              </a:schemeClr>
-            </a:gs>
-          </a:gsLst>
-          <a:path path="circle">
-            <a:fillToRect l="50000" t="50000" r="50000" b="50000"/>
-          </a:path>
-        </a:gradFill>
-      </a:bgFillStyleLst>
-    </a:fmtScheme>
-  </a:themeElements>
-</a:theme>
 </file>